--- a/宣道詩/(宣道詩280)朝賀耶穌降生.pptx
+++ b/宣道詩/(宣道詩280)朝賀耶穌降生.pptx
@@ -13,8 +13,17 @@
     <p:sldId id="261" r:id="rId7"/>
     <p:sldId id="262" r:id="rId8"/>
     <p:sldId id="263" r:id="rId9"/>
+    <p:sldId id="264" r:id="rId10"/>
+    <p:sldId id="265" r:id="rId11"/>
+    <p:sldId id="266" r:id="rId12"/>
+    <p:sldId id="267" r:id="rId13"/>
+    <p:sldId id="268" r:id="rId14"/>
+    <p:sldId id="269" r:id="rId15"/>
+    <p:sldId id="270" r:id="rId16"/>
+    <p:sldId id="271" r:id="rId17"/>
+    <p:sldId id="272" r:id="rId18"/>
   </p:sldIdLst>
-  <p:sldSz cx="9144000" cy="6858000" type="screen4x3"/>
+  <p:sldSz cx="12192000" cy="6858000"/>
   <p:notesSz cx="6858000" cy="9144000"/>
   <p:defaultTextStyle>
     <a:defPPr>
@@ -111,6 +120,22 @@
       </a:defRPr>
     </a:lvl9pPr>
   </p:defaultTextStyle>
+  <p:extLst>
+    <p:ext uri="{EFAFB233-063F-42B5-8137-9DF3F51BA10A}">
+      <p15:sldGuideLst xmlns:p15="http://schemas.microsoft.com/office/powerpoint/2012/main">
+        <p15:guide id="1" orient="horz" pos="2160" userDrawn="1">
+          <p15:clr>
+            <a:srgbClr val="A4A3A4"/>
+          </p15:clr>
+        </p15:guide>
+        <p15:guide id="2" pos="3840" userDrawn="1">
+          <p15:clr>
+            <a:srgbClr val="A4A3A4"/>
+          </p15:clr>
+        </p15:guide>
+      </p15:sldGuideLst>
+    </p:ext>
+  </p:extLst>
 </p:presentation>
 </file>
 
@@ -143,8 +168,8 @@
         </p:nvSpPr>
         <p:spPr>
           <a:xfrm>
-            <a:off x="685800" y="2130425"/>
-            <a:ext cx="7772400" cy="1470025"/>
+            <a:off x="914400" y="2130426"/>
+            <a:ext cx="10363200" cy="1470025"/>
           </a:xfrm>
         </p:spPr>
         <p:txBody>
@@ -171,8 +196,8 @@
         </p:nvSpPr>
         <p:spPr>
           <a:xfrm>
-            <a:off x="1371600" y="3886200"/>
-            <a:ext cx="6400800" cy="1752600"/>
+            <a:off x="1828800" y="3886200"/>
+            <a:ext cx="8534400" cy="1752600"/>
           </a:xfrm>
         </p:spPr>
         <p:txBody>
@@ -296,7 +321,7 @@
             <a:fld id="{F780A39D-B465-4865-A3FF-EFB9898EDBEE}" type="datetimeFigureOut">
               <a:rPr lang="zh-TW" altLang="en-US" smtClean="0"/>
               <a:pPr/>
-              <a:t>2017/12/16</a:t>
+              <a:t>2022/12/10</a:t>
             </a:fld>
             <a:endParaRPr lang="zh-TW" altLang="en-US"/>
           </a:p>
@@ -463,7 +488,7 @@
             <a:fld id="{F780A39D-B465-4865-A3FF-EFB9898EDBEE}" type="datetimeFigureOut">
               <a:rPr lang="zh-TW" altLang="en-US" smtClean="0"/>
               <a:pPr/>
-              <a:t>2017/12/16</a:t>
+              <a:t>2022/12/10</a:t>
             </a:fld>
             <a:endParaRPr lang="zh-TW" altLang="en-US"/>
           </a:p>
@@ -549,8 +574,8 @@
         </p:nvSpPr>
         <p:spPr>
           <a:xfrm>
-            <a:off x="6629400" y="274638"/>
-            <a:ext cx="2057400" cy="5851525"/>
+            <a:off x="8839200" y="274639"/>
+            <a:ext cx="2743200" cy="5851525"/>
           </a:xfrm>
         </p:spPr>
         <p:txBody>
@@ -577,8 +602,8 @@
         </p:nvSpPr>
         <p:spPr>
           <a:xfrm>
-            <a:off x="457200" y="274638"/>
-            <a:ext cx="6019800" cy="5851525"/>
+            <a:off x="609600" y="274639"/>
+            <a:ext cx="8026400" cy="5851525"/>
           </a:xfrm>
         </p:spPr>
         <p:txBody>
@@ -640,7 +665,7 @@
             <a:fld id="{F780A39D-B465-4865-A3FF-EFB9898EDBEE}" type="datetimeFigureOut">
               <a:rPr lang="zh-TW" altLang="en-US" smtClean="0"/>
               <a:pPr/>
-              <a:t>2017/12/16</a:t>
+              <a:t>2022/12/10</a:t>
             </a:fld>
             <a:endParaRPr lang="zh-TW" altLang="en-US"/>
           </a:p>
@@ -807,7 +832,7 @@
             <a:fld id="{F780A39D-B465-4865-A3FF-EFB9898EDBEE}" type="datetimeFigureOut">
               <a:rPr lang="zh-TW" altLang="en-US" smtClean="0"/>
               <a:pPr/>
-              <a:t>2017/12/16</a:t>
+              <a:t>2022/12/10</a:t>
             </a:fld>
             <a:endParaRPr lang="zh-TW" altLang="en-US"/>
           </a:p>
@@ -893,8 +918,8 @@
         </p:nvSpPr>
         <p:spPr>
           <a:xfrm>
-            <a:off x="722313" y="4406900"/>
-            <a:ext cx="7772400" cy="1362075"/>
+            <a:off x="963084" y="4406901"/>
+            <a:ext cx="10363200" cy="1362075"/>
           </a:xfrm>
         </p:spPr>
         <p:txBody>
@@ -925,8 +950,8 @@
         </p:nvSpPr>
         <p:spPr>
           <a:xfrm>
-            <a:off x="722313" y="2906713"/>
-            <a:ext cx="7772400" cy="1500187"/>
+            <a:off x="963084" y="2906713"/>
+            <a:ext cx="10363200" cy="1500187"/>
           </a:xfrm>
         </p:spPr>
         <p:txBody>
@@ -1050,7 +1075,7 @@
             <a:fld id="{F780A39D-B465-4865-A3FF-EFB9898EDBEE}" type="datetimeFigureOut">
               <a:rPr lang="zh-TW" altLang="en-US" smtClean="0"/>
               <a:pPr/>
-              <a:t>2017/12/16</a:t>
+              <a:t>2022/12/10</a:t>
             </a:fld>
             <a:endParaRPr lang="zh-TW" altLang="en-US"/>
           </a:p>
@@ -1159,8 +1184,8 @@
         </p:nvSpPr>
         <p:spPr>
           <a:xfrm>
-            <a:off x="457200" y="1600200"/>
-            <a:ext cx="4038600" cy="4525963"/>
+            <a:off x="609600" y="1600201"/>
+            <a:ext cx="5384800" cy="4525963"/>
           </a:xfrm>
         </p:spPr>
         <p:txBody>
@@ -1244,8 +1269,8 @@
         </p:nvSpPr>
         <p:spPr>
           <a:xfrm>
-            <a:off x="4648200" y="1600200"/>
-            <a:ext cx="4038600" cy="4525963"/>
+            <a:off x="6197600" y="1600201"/>
+            <a:ext cx="5384800" cy="4525963"/>
           </a:xfrm>
         </p:spPr>
         <p:txBody>
@@ -1335,7 +1360,7 @@
             <a:fld id="{F780A39D-B465-4865-A3FF-EFB9898EDBEE}" type="datetimeFigureOut">
               <a:rPr lang="zh-TW" altLang="en-US" smtClean="0"/>
               <a:pPr/>
-              <a:t>2017/12/16</a:t>
+              <a:t>2022/12/10</a:t>
             </a:fld>
             <a:endParaRPr lang="zh-TW" altLang="en-US"/>
           </a:p>
@@ -1448,8 +1473,8 @@
         </p:nvSpPr>
         <p:spPr>
           <a:xfrm>
-            <a:off x="457200" y="1535113"/>
-            <a:ext cx="4040188" cy="639762"/>
+            <a:off x="609600" y="1535113"/>
+            <a:ext cx="5386917" cy="639762"/>
           </a:xfrm>
         </p:spPr>
         <p:txBody>
@@ -1513,8 +1538,8 @@
         </p:nvSpPr>
         <p:spPr>
           <a:xfrm>
-            <a:off x="457200" y="2174875"/>
-            <a:ext cx="4040188" cy="3951288"/>
+            <a:off x="609600" y="2174875"/>
+            <a:ext cx="5386917" cy="3951288"/>
           </a:xfrm>
         </p:spPr>
         <p:txBody>
@@ -1598,8 +1623,8 @@
         </p:nvSpPr>
         <p:spPr>
           <a:xfrm>
-            <a:off x="4645025" y="1535113"/>
-            <a:ext cx="4041775" cy="639762"/>
+            <a:off x="6193368" y="1535113"/>
+            <a:ext cx="5389033" cy="639762"/>
           </a:xfrm>
         </p:spPr>
         <p:txBody>
@@ -1663,8 +1688,8 @@
         </p:nvSpPr>
         <p:spPr>
           <a:xfrm>
-            <a:off x="4645025" y="2174875"/>
-            <a:ext cx="4041775" cy="3951288"/>
+            <a:off x="6193368" y="2174875"/>
+            <a:ext cx="5389033" cy="3951288"/>
           </a:xfrm>
         </p:spPr>
         <p:txBody>
@@ -1754,7 +1779,7 @@
             <a:fld id="{F780A39D-B465-4865-A3FF-EFB9898EDBEE}" type="datetimeFigureOut">
               <a:rPr lang="zh-TW" altLang="en-US" smtClean="0"/>
               <a:pPr/>
-              <a:t>2017/12/16</a:t>
+              <a:t>2022/12/10</a:t>
             </a:fld>
             <a:endParaRPr lang="zh-TW" altLang="en-US"/>
           </a:p>
@@ -1869,7 +1894,7 @@
             <a:fld id="{F780A39D-B465-4865-A3FF-EFB9898EDBEE}" type="datetimeFigureOut">
               <a:rPr lang="zh-TW" altLang="en-US" smtClean="0"/>
               <a:pPr/>
-              <a:t>2017/12/16</a:t>
+              <a:t>2022/12/10</a:t>
             </a:fld>
             <a:endParaRPr lang="zh-TW" altLang="en-US"/>
           </a:p>
@@ -1961,7 +1986,7 @@
             <a:fld id="{F780A39D-B465-4865-A3FF-EFB9898EDBEE}" type="datetimeFigureOut">
               <a:rPr lang="zh-TW" altLang="en-US" smtClean="0"/>
               <a:pPr/>
-              <a:t>2017/12/16</a:t>
+              <a:t>2022/12/10</a:t>
             </a:fld>
             <a:endParaRPr lang="zh-TW" altLang="en-US"/>
           </a:p>
@@ -2047,8 +2072,8 @@
         </p:nvSpPr>
         <p:spPr>
           <a:xfrm>
-            <a:off x="457200" y="273050"/>
-            <a:ext cx="3008313" cy="1162050"/>
+            <a:off x="609601" y="273050"/>
+            <a:ext cx="4011084" cy="1162050"/>
           </a:xfrm>
         </p:spPr>
         <p:txBody>
@@ -2079,8 +2104,8 @@
         </p:nvSpPr>
         <p:spPr>
           <a:xfrm>
-            <a:off x="3575050" y="273050"/>
-            <a:ext cx="5111750" cy="5853113"/>
+            <a:off x="4766733" y="273051"/>
+            <a:ext cx="6815667" cy="5853113"/>
           </a:xfrm>
         </p:spPr>
         <p:txBody>
@@ -2164,8 +2189,8 @@
         </p:nvSpPr>
         <p:spPr>
           <a:xfrm>
-            <a:off x="457200" y="1435100"/>
-            <a:ext cx="3008313" cy="4691063"/>
+            <a:off x="609601" y="1435101"/>
+            <a:ext cx="4011084" cy="4691063"/>
           </a:xfrm>
         </p:spPr>
         <p:txBody>
@@ -2235,7 +2260,7 @@
             <a:fld id="{F780A39D-B465-4865-A3FF-EFB9898EDBEE}" type="datetimeFigureOut">
               <a:rPr lang="zh-TW" altLang="en-US" smtClean="0"/>
               <a:pPr/>
-              <a:t>2017/12/16</a:t>
+              <a:t>2022/12/10</a:t>
             </a:fld>
             <a:endParaRPr lang="zh-TW" altLang="en-US"/>
           </a:p>
@@ -2321,8 +2346,8 @@
         </p:nvSpPr>
         <p:spPr>
           <a:xfrm>
-            <a:off x="1792288" y="4800600"/>
-            <a:ext cx="5486400" cy="566738"/>
+            <a:off x="2389717" y="4800600"/>
+            <a:ext cx="7315200" cy="566738"/>
           </a:xfrm>
         </p:spPr>
         <p:txBody>
@@ -2353,8 +2378,8 @@
         </p:nvSpPr>
         <p:spPr>
           <a:xfrm>
-            <a:off x="1792288" y="612775"/>
-            <a:ext cx="5486400" cy="4114800"/>
+            <a:off x="2389717" y="612775"/>
+            <a:ext cx="7315200" cy="4114800"/>
           </a:xfrm>
         </p:spPr>
         <p:txBody>
@@ -2418,8 +2443,8 @@
         </p:nvSpPr>
         <p:spPr>
           <a:xfrm>
-            <a:off x="1792288" y="5367338"/>
-            <a:ext cx="5486400" cy="804862"/>
+            <a:off x="2389717" y="5367338"/>
+            <a:ext cx="7315200" cy="804862"/>
           </a:xfrm>
         </p:spPr>
         <p:txBody>
@@ -2489,7 +2514,7 @@
             <a:fld id="{F780A39D-B465-4865-A3FF-EFB9898EDBEE}" type="datetimeFigureOut">
               <a:rPr lang="zh-TW" altLang="en-US" smtClean="0"/>
               <a:pPr/>
-              <a:t>2017/12/16</a:t>
+              <a:t>2022/12/10</a:t>
             </a:fld>
             <a:endParaRPr lang="zh-TW" altLang="en-US"/>
           </a:p>
@@ -2585,8 +2610,8 @@
         </p:nvSpPr>
         <p:spPr>
           <a:xfrm>
-            <a:off x="457200" y="274638"/>
-            <a:ext cx="8229600" cy="1143000"/>
+            <a:off x="609600" y="274638"/>
+            <a:ext cx="10972800" cy="1143000"/>
           </a:xfrm>
           <a:prstGeom prst="rect">
             <a:avLst/>
@@ -2618,8 +2643,8 @@
         </p:nvSpPr>
         <p:spPr>
           <a:xfrm>
-            <a:off x="457200" y="1600200"/>
-            <a:ext cx="8229600" cy="4525963"/>
+            <a:off x="609600" y="1600201"/>
+            <a:ext cx="10972800" cy="4525963"/>
           </a:xfrm>
           <a:prstGeom prst="rect">
             <a:avLst/>
@@ -2680,8 +2705,8 @@
         </p:nvSpPr>
         <p:spPr>
           <a:xfrm>
-            <a:off x="457200" y="6356350"/>
-            <a:ext cx="2133600" cy="365125"/>
+            <a:off x="609600" y="6356351"/>
+            <a:ext cx="2844800" cy="365125"/>
           </a:xfrm>
           <a:prstGeom prst="rect">
             <a:avLst/>
@@ -2704,7 +2729,7 @@
             <a:fld id="{F780A39D-B465-4865-A3FF-EFB9898EDBEE}" type="datetimeFigureOut">
               <a:rPr lang="zh-TW" altLang="en-US" smtClean="0"/>
               <a:pPr/>
-              <a:t>2017/12/16</a:t>
+              <a:t>2022/12/10</a:t>
             </a:fld>
             <a:endParaRPr lang="zh-TW" altLang="en-US"/>
           </a:p>
@@ -2722,8 +2747,8 @@
         </p:nvSpPr>
         <p:spPr>
           <a:xfrm>
-            <a:off x="3124200" y="6356350"/>
-            <a:ext cx="2895600" cy="365125"/>
+            <a:off x="4165600" y="6356351"/>
+            <a:ext cx="3860800" cy="365125"/>
           </a:xfrm>
           <a:prstGeom prst="rect">
             <a:avLst/>
@@ -2759,8 +2784,8 @@
         </p:nvSpPr>
         <p:spPr>
           <a:xfrm>
-            <a:off x="6553200" y="6356350"/>
-            <a:ext cx="2133600" cy="365125"/>
+            <a:off x="8737600" y="6356351"/>
+            <a:ext cx="2844800" cy="365125"/>
           </a:xfrm>
           <a:prstGeom prst="rect">
             <a:avLst/>
@@ -3085,34 +3110,230 @@
             <p:ph type="title"/>
           </p:nvPr>
         </p:nvSpPr>
-        <p:spPr/>
+        <p:spPr>
+          <a:xfrm>
+            <a:off x="0" y="2660915"/>
+            <a:ext cx="12192000" cy="1143000"/>
+          </a:xfrm>
+        </p:spPr>
         <p:txBody>
           <a:bodyPr>
-            <a:normAutofit/>
+            <a:noAutofit/>
           </a:bodyPr>
           <a:lstStyle/>
           <a:p>
             <a:r>
-              <a:rPr lang="zh-TW" altLang="en-US" b="1" dirty="0">
-                <a:solidFill>
-                  <a:srgbClr val="660033"/>
-                </a:solidFill>
+              <a:rPr lang="zh-CN" altLang="en-US" sz="5333" b="1" u="sng" dirty="0">
+                <a:solidFill>
+                  <a:srgbClr val="000066"/>
+                </a:solidFill>
+                <a:effectLst>
+                  <a:outerShdw blurRad="38100" dist="38100" dir="2700000" algn="tl">
+                    <a:srgbClr val="000000">
+                      <a:alpha val="43137"/>
+                    </a:srgbClr>
+                  </a:outerShdw>
+                </a:effectLst>
                 <a:latin typeface="微軟正黑體" pitchFamily="34" charset="-120"/>
                 <a:ea typeface="微軟正黑體" pitchFamily="34" charset="-120"/>
               </a:rPr>
-              <a:t>朝賀耶穌</a:t>
-            </a:r>
-            <a:r>
-              <a:rPr lang="zh-TW" altLang="en-US" b="1" dirty="0" smtClean="0">
-                <a:solidFill>
-                  <a:srgbClr val="660033"/>
-                </a:solidFill>
+              <a:t>宣道詩 </a:t>
+            </a:r>
+            <a:r>
+              <a:rPr lang="en-US" altLang="zh-CN" sz="5333" b="1" u="sng" dirty="0">
+                <a:solidFill>
+                  <a:srgbClr val="000066"/>
+                </a:solidFill>
+                <a:effectLst>
+                  <a:outerShdw blurRad="38100" dist="38100" dir="2700000" algn="tl">
+                    <a:srgbClr val="000000">
+                      <a:alpha val="43137"/>
+                    </a:srgbClr>
+                  </a:outerShdw>
+                </a:effectLst>
                 <a:latin typeface="微軟正黑體" pitchFamily="34" charset="-120"/>
                 <a:ea typeface="微軟正黑體" pitchFamily="34" charset="-120"/>
               </a:rPr>
-              <a:t>降生</a:t>
-            </a:r>
-            <a:endParaRPr lang="zh-TW" altLang="en-US" b="1" dirty="0">
+              <a:t>280</a:t>
+            </a:r>
+            <a:r>
+              <a:rPr lang="en-US" altLang="zh-CN" sz="7200" b="1" i="1" dirty="0">
+                <a:solidFill>
+                  <a:srgbClr val="660033"/>
+                </a:solidFill>
+                <a:effectLst>
+                  <a:outerShdw blurRad="38100" dist="38100" dir="2700000" algn="tl">
+                    <a:srgbClr val="000000">
+                      <a:alpha val="43137"/>
+                    </a:srgbClr>
+                  </a:outerShdw>
+                </a:effectLst>
+                <a:latin typeface="微軟正黑體" pitchFamily="34" charset="-120"/>
+                <a:ea typeface="微軟正黑體" pitchFamily="34" charset="-120"/>
+              </a:rPr>
+              <a:t/>
+            </a:r>
+            <a:br>
+              <a:rPr lang="en-US" altLang="zh-CN" sz="7200" b="1" i="1" dirty="0">
+                <a:solidFill>
+                  <a:srgbClr val="660033"/>
+                </a:solidFill>
+                <a:effectLst>
+                  <a:outerShdw blurRad="38100" dist="38100" dir="2700000" algn="tl">
+                    <a:srgbClr val="000000">
+                      <a:alpha val="43137"/>
+                    </a:srgbClr>
+                  </a:outerShdw>
+                </a:effectLst>
+                <a:latin typeface="微軟正黑體" pitchFamily="34" charset="-120"/>
+                <a:ea typeface="微軟正黑體" pitchFamily="34" charset="-120"/>
+              </a:rPr>
+            </a:br>
+            <a:r>
+              <a:rPr lang="zh-TW" altLang="en-US" sz="8000" b="1" dirty="0">
+                <a:solidFill>
+                  <a:srgbClr val="660033"/>
+                </a:solidFill>
+                <a:effectLst>
+                  <a:outerShdw blurRad="38100" dist="38100" dir="2700000" algn="tl">
+                    <a:srgbClr val="000000">
+                      <a:alpha val="43137"/>
+                    </a:srgbClr>
+                  </a:outerShdw>
+                </a:effectLst>
+                <a:latin typeface="微軟正黑體" pitchFamily="34" charset="-120"/>
+                <a:ea typeface="微軟正黑體" pitchFamily="34" charset="-120"/>
+              </a:rPr>
+              <a:t>朝</a:t>
+            </a:r>
+            <a:r>
+              <a:rPr lang="zh-TW" altLang="en-US" sz="8000" b="1" dirty="0">
+                <a:solidFill>
+                  <a:srgbClr val="660033"/>
+                </a:solidFill>
+                <a:effectLst>
+                  <a:outerShdw blurRad="38100" dist="38100" dir="2700000" algn="tl">
+                    <a:srgbClr val="000000">
+                      <a:alpha val="43137"/>
+                    </a:srgbClr>
+                  </a:outerShdw>
+                </a:effectLst>
+                <a:latin typeface="微軟正黑體" pitchFamily="34" charset="-120"/>
+                <a:ea typeface="微軟正黑體" pitchFamily="34" charset="-120"/>
+              </a:rPr>
+              <a:t>賀耶穌降生</a:t>
+            </a:r>
+          </a:p>
+        </p:txBody>
+      </p:sp>
+    </p:spTree>
+    <p:extLst>
+      <p:ext uri="{BB962C8B-B14F-4D97-AF65-F5344CB8AC3E}">
+        <p14:creationId xmlns:p14="http://schemas.microsoft.com/office/powerpoint/2010/main" val="1532843401"/>
+      </p:ext>
+    </p:extLst>
+  </p:cSld>
+  <p:clrMapOvr>
+    <a:masterClrMapping/>
+  </p:clrMapOvr>
+  <p:timing>
+    <p:tnLst>
+      <p:par>
+        <p:cTn id="1" dur="indefinite" restart="never" nodeType="tmRoot"/>
+      </p:par>
+    </p:tnLst>
+  </p:timing>
+</p:sld>
+</file>
+
+<file path=ppt/slides/slide10.xml><?xml version="1.0" encoding="utf-8"?>
+<p:sld xmlns:a="http://schemas.openxmlformats.org/drawingml/2006/main" xmlns:r="http://schemas.openxmlformats.org/officeDocument/2006/relationships" xmlns:p="http://schemas.openxmlformats.org/presentationml/2006/main">
+  <p:cSld>
+    <p:spTree>
+      <p:nvGrpSpPr>
+        <p:cNvPr id="1" name=""/>
+        <p:cNvGrpSpPr/>
+        <p:nvPr/>
+      </p:nvGrpSpPr>
+      <p:grpSpPr>
+        <a:xfrm>
+          <a:off x="0" y="0"/>
+          <a:ext cx="0" cy="0"/>
+          <a:chOff x="0" y="0"/>
+          <a:chExt cx="0" cy="0"/>
+        </a:xfrm>
+      </p:grpSpPr>
+      <p:sp>
+        <p:nvSpPr>
+          <p:cNvPr id="5" name="內容版面配置區 4"/>
+          <p:cNvSpPr>
+            <a:spLocks noGrp="1"/>
+          </p:cNvSpPr>
+          <p:nvPr>
+            <p:ph idx="1"/>
+          </p:nvPr>
+        </p:nvSpPr>
+        <p:spPr>
+          <a:xfrm>
+            <a:off x="0" y="2084851"/>
+            <a:ext cx="12192000" cy="2404863"/>
+          </a:xfrm>
+        </p:spPr>
+        <p:txBody>
+          <a:bodyPr anchor="ctr">
+            <a:normAutofit/>
+          </a:bodyPr>
+          <a:lstStyle/>
+          <a:p>
+            <a:pPr algn="ctr">
+              <a:buNone/>
+            </a:pPr>
+            <a:r>
+              <a:rPr lang="zh-TW" altLang="en-US" sz="6400" b="1" dirty="0">
+                <a:solidFill>
+                  <a:srgbClr val="660033"/>
+                </a:solidFill>
+                <a:latin typeface="微軟正黑體" pitchFamily="34" charset="-120"/>
+                <a:ea typeface="微軟正黑體" pitchFamily="34" charset="-120"/>
+              </a:rPr>
+              <a:t>與天使同唱和</a:t>
+            </a:r>
+            <a:r>
+              <a:rPr lang="en-US" altLang="zh-TW" sz="6400" b="1" dirty="0">
+                <a:solidFill>
+                  <a:srgbClr val="660033"/>
+                </a:solidFill>
+                <a:latin typeface="微軟正黑體" pitchFamily="34" charset="-120"/>
+                <a:ea typeface="微軟正黑體" pitchFamily="34" charset="-120"/>
+              </a:rPr>
+              <a:t>  </a:t>
+            </a:r>
+            <a:r>
+              <a:rPr lang="zh-TW" altLang="en-US" sz="6400" b="1" dirty="0">
+                <a:solidFill>
+                  <a:srgbClr val="660033"/>
+                </a:solidFill>
+                <a:latin typeface="微軟正黑體" pitchFamily="34" charset="-120"/>
+                <a:ea typeface="微軟正黑體" pitchFamily="34" charset="-120"/>
+              </a:rPr>
+              <a:t>音樂滿佈穹蒼</a:t>
+            </a:r>
+          </a:p>
+          <a:p>
+            <a:pPr algn="ctr">
+              <a:buNone/>
+            </a:pPr>
+            <a:r>
+              <a:rPr lang="zh-TW" altLang="en-US" sz="6400" b="1" dirty="0">
+                <a:solidFill>
+                  <a:srgbClr val="660033"/>
+                </a:solidFill>
+                <a:latin typeface="微軟正黑體" pitchFamily="34" charset="-120"/>
+                <a:ea typeface="微軟正黑體" pitchFamily="34" charset="-120"/>
+              </a:rPr>
+              <a:t>與天上國民齊同頌朝聖王</a:t>
+            </a:r>
+            <a:endParaRPr lang="zh-TW" altLang="en-US" sz="6400" b="1" dirty="0">
               <a:solidFill>
                 <a:srgbClr val="660033"/>
               </a:solidFill>
@@ -3124,23 +3345,99 @@
       </p:sp>
       <p:sp>
         <p:nvSpPr>
-          <p:cNvPr id="5" name="內容版面配置區 4"/>
-          <p:cNvSpPr>
-            <a:spLocks noGrp="1"/>
-          </p:cNvSpPr>
-          <p:nvPr>
-            <p:ph idx="1"/>
-          </p:nvPr>
+          <p:cNvPr id="3" name="TextBox 2"/>
+          <p:cNvSpPr txBox="1"/>
+          <p:nvPr/>
         </p:nvSpPr>
         <p:spPr>
           <a:xfrm>
-            <a:off x="0" y="1807361"/>
-            <a:ext cx="9144000" cy="4051437"/>
+            <a:off x="0" y="5061181"/>
+            <a:ext cx="12192000" cy="748988"/>
+          </a:xfrm>
+          <a:prstGeom prst="rect">
+            <a:avLst/>
+          </a:prstGeom>
+          <a:noFill/>
+        </p:spPr>
+        <p:txBody>
+          <a:bodyPr wrap="square" rtlCol="0">
+            <a:spAutoFit/>
+          </a:bodyPr>
+          <a:lstStyle/>
+          <a:p>
+            <a:pPr algn="ctr"/>
+            <a:r>
+              <a:rPr lang="en-US" sz="4267" b="1" dirty="0">
+                <a:solidFill>
+                  <a:srgbClr val="660033"/>
+                </a:solidFill>
+              </a:rPr>
+              <a:t>( 3 / 4 )</a:t>
+            </a:r>
+            <a:endParaRPr lang="vi-VN" sz="4267" b="1" dirty="0">
+              <a:solidFill>
+                <a:srgbClr val="660033"/>
+              </a:solidFill>
+            </a:endParaRPr>
+          </a:p>
+        </p:txBody>
+      </p:sp>
+    </p:spTree>
+    <p:extLst>
+      <p:ext uri="{BB962C8B-B14F-4D97-AF65-F5344CB8AC3E}">
+        <p14:creationId xmlns:p14="http://schemas.microsoft.com/office/powerpoint/2010/main" val="4241452127"/>
+      </p:ext>
+    </p:extLst>
+  </p:cSld>
+  <p:clrMapOvr>
+    <a:masterClrMapping/>
+  </p:clrMapOvr>
+  <p:timing>
+    <p:tnLst>
+      <p:par>
+        <p:cTn id="1" dur="indefinite" restart="never" nodeType="tmRoot"/>
+      </p:par>
+    </p:tnLst>
+  </p:timing>
+</p:sld>
+</file>
+
+<file path=ppt/slides/slide11.xml><?xml version="1.0" encoding="utf-8"?>
+<p:sld xmlns:a="http://schemas.openxmlformats.org/drawingml/2006/main" xmlns:r="http://schemas.openxmlformats.org/officeDocument/2006/relationships" xmlns:p="http://schemas.openxmlformats.org/presentationml/2006/main">
+  <p:cSld>
+    <p:spTree>
+      <p:nvGrpSpPr>
+        <p:cNvPr id="1" name=""/>
+        <p:cNvGrpSpPr/>
+        <p:nvPr/>
+      </p:nvGrpSpPr>
+      <p:grpSpPr>
+        <a:xfrm>
+          <a:off x="0" y="0"/>
+          <a:ext cx="0" cy="0"/>
+          <a:chOff x="0" y="0"/>
+          <a:chExt cx="0" cy="0"/>
+        </a:xfrm>
+      </p:grpSpPr>
+      <p:sp>
+        <p:nvSpPr>
+          <p:cNvPr id="5" name="內容版面配置區 4"/>
+          <p:cNvSpPr>
+            <a:spLocks noGrp="1"/>
+          </p:cNvSpPr>
+          <p:nvPr>
+            <p:ph idx="1"/>
+          </p:nvPr>
+        </p:nvSpPr>
+        <p:spPr>
+          <a:xfrm>
+            <a:off x="0" y="2084851"/>
+            <a:ext cx="12192000" cy="2404863"/>
           </a:xfrm>
         </p:spPr>
         <p:txBody>
-          <a:bodyPr>
-            <a:noAutofit/>
+          <a:bodyPr anchor="ctr">
+            <a:normAutofit/>
           </a:bodyPr>
           <a:lstStyle/>
           <a:p>
@@ -3148,26 +3445,16 @@
               <a:buNone/>
             </a:pPr>
             <a:r>
-              <a:rPr lang="zh-TW" altLang="en-US" sz="5400" b="1" dirty="0">
+              <a:rPr lang="zh-TW" altLang="en-US" sz="6400" b="1" dirty="0">
                 <a:solidFill>
                   <a:srgbClr val="660033"/>
                 </a:solidFill>
                 <a:latin typeface="微軟正黑體" pitchFamily="34" charset="-120"/>
                 <a:ea typeface="微軟正黑體" pitchFamily="34" charset="-120"/>
               </a:rPr>
-              <a:t>請來忠信聖</a:t>
-            </a:r>
-            <a:r>
-              <a:rPr lang="zh-TW" altLang="en-US" sz="5400" b="1" dirty="0" smtClean="0">
-                <a:solidFill>
-                  <a:srgbClr val="660033"/>
-                </a:solidFill>
-                <a:latin typeface="微軟正黑體" pitchFamily="34" charset="-120"/>
-                <a:ea typeface="微軟正黑體" pitchFamily="34" charset="-120"/>
-              </a:rPr>
-              <a:t>徒</a:t>
-            </a:r>
-            <a:endParaRPr lang="en-US" altLang="zh-TW" sz="5400" b="1" dirty="0" smtClean="0">
+              <a:t>榮耀歸真神  在寶座高天上</a:t>
+            </a:r>
+            <a:endParaRPr lang="zh-TW" altLang="en-US" sz="6400" b="1" dirty="0">
               <a:solidFill>
                 <a:srgbClr val="660033"/>
               </a:solidFill>
@@ -3175,108 +3462,733 @@
               <a:ea typeface="微軟正黑體" pitchFamily="34" charset="-120"/>
             </a:endParaRPr>
           </a:p>
-          <a:p>
-            <a:pPr algn="ctr">
-              <a:buNone/>
-            </a:pPr>
-            <a:r>
-              <a:rPr lang="zh-TW" altLang="en-US" sz="5400" b="1" dirty="0" smtClean="0">
+        </p:txBody>
+      </p:sp>
+      <p:sp>
+        <p:nvSpPr>
+          <p:cNvPr id="3" name="TextBox 2"/>
+          <p:cNvSpPr txBox="1"/>
+          <p:nvPr/>
+        </p:nvSpPr>
+        <p:spPr>
+          <a:xfrm>
+            <a:off x="0" y="5061181"/>
+            <a:ext cx="12192000" cy="748988"/>
+          </a:xfrm>
+          <a:prstGeom prst="rect">
+            <a:avLst/>
+          </a:prstGeom>
+          <a:noFill/>
+        </p:spPr>
+        <p:txBody>
+          <a:bodyPr wrap="square" rtlCol="0">
+            <a:spAutoFit/>
+          </a:bodyPr>
+          <a:lstStyle/>
+          <a:p>
+            <a:pPr algn="ctr"/>
+            <a:r>
+              <a:rPr lang="en-US" sz="4267" b="1" dirty="0">
                 <a:solidFill>
                   <a:srgbClr val="660033"/>
                 </a:solidFill>
-                <a:latin typeface="微軟正黑體" pitchFamily="34" charset="-120"/>
-                <a:ea typeface="微軟正黑體" pitchFamily="34" charset="-120"/>
               </a:rPr>
-              <a:t>都</a:t>
-            </a:r>
-            <a:r>
-              <a:rPr lang="zh-TW" altLang="en-US" sz="5400" b="1" dirty="0">
-                <a:solidFill>
-                  <a:srgbClr val="660033"/>
-                </a:solidFill>
-                <a:latin typeface="微軟正黑體" pitchFamily="34" charset="-120"/>
-                <a:ea typeface="微軟正黑體" pitchFamily="34" charset="-120"/>
-              </a:rPr>
-              <a:t>同一齊來臨</a:t>
-            </a:r>
-          </a:p>
-          <a:p>
-            <a:pPr algn="ctr">
-              <a:buNone/>
-            </a:pPr>
-            <a:r>
-              <a:rPr lang="zh-TW" altLang="en-US" sz="5400" b="1" dirty="0">
-                <a:solidFill>
-                  <a:srgbClr val="660033"/>
-                </a:solidFill>
-                <a:latin typeface="微軟正黑體" pitchFamily="34" charset="-120"/>
-                <a:ea typeface="微軟正黑體" pitchFamily="34" charset="-120"/>
-              </a:rPr>
-              <a:t>現開喜樂勝</a:t>
-            </a:r>
-            <a:r>
-              <a:rPr lang="zh-TW" altLang="en-US" sz="5400" b="1" dirty="0" smtClean="0">
-                <a:solidFill>
-                  <a:srgbClr val="660033"/>
-                </a:solidFill>
-                <a:latin typeface="微軟正黑體" pitchFamily="34" charset="-120"/>
-                <a:ea typeface="微軟正黑體" pitchFamily="34" charset="-120"/>
-              </a:rPr>
-              <a:t>會在於</a:t>
-            </a:r>
-            <a:r>
-              <a:rPr lang="zh-TW" altLang="en-US" sz="5400" b="1" dirty="0">
-                <a:solidFill>
-                  <a:srgbClr val="660033"/>
-                </a:solidFill>
-                <a:latin typeface="微軟正黑體" pitchFamily="34" charset="-120"/>
-                <a:ea typeface="微軟正黑體" pitchFamily="34" charset="-120"/>
-              </a:rPr>
-              <a:t>伯利恆</a:t>
-            </a:r>
-          </a:p>
-          <a:p>
-            <a:pPr algn="ctr">
-              <a:buNone/>
-            </a:pPr>
-            <a:r>
-              <a:rPr lang="zh-TW" altLang="en-US" sz="5400" b="1" dirty="0">
-                <a:solidFill>
-                  <a:srgbClr val="660033"/>
-                </a:solidFill>
-                <a:latin typeface="微軟正黑體" pitchFamily="34" charset="-120"/>
-                <a:ea typeface="微軟正黑體" pitchFamily="34" charset="-120"/>
-              </a:rPr>
-              <a:t>看聖</a:t>
-            </a:r>
-            <a:r>
-              <a:rPr lang="zh-TW" altLang="en-US" sz="5400" b="1" dirty="0" smtClean="0">
-                <a:solidFill>
-                  <a:srgbClr val="660033"/>
-                </a:solidFill>
-                <a:latin typeface="微軟正黑體" pitchFamily="34" charset="-120"/>
-                <a:ea typeface="微軟正黑體" pitchFamily="34" charset="-120"/>
-              </a:rPr>
-              <a:t>嬰孩生</a:t>
-            </a:r>
-            <a:r>
-              <a:rPr lang="zh-TW" altLang="en-US" sz="5400" b="1" dirty="0">
-                <a:solidFill>
-                  <a:srgbClr val="660033"/>
-                </a:solidFill>
-                <a:latin typeface="微軟正黑體" pitchFamily="34" charset="-120"/>
-                <a:ea typeface="微軟正黑體" pitchFamily="34" charset="-120"/>
-              </a:rPr>
-              <a:t>為天下萬聖君</a:t>
-            </a:r>
+              <a:t>( 3 / 4 )</a:t>
+            </a:r>
+            <a:endParaRPr lang="vi-VN" sz="4267" b="1" dirty="0">
+              <a:solidFill>
+                <a:srgbClr val="660033"/>
+              </a:solidFill>
+            </a:endParaRPr>
           </a:p>
         </p:txBody>
       </p:sp>
     </p:spTree>
+    <p:extLst>
+      <p:ext uri="{BB962C8B-B14F-4D97-AF65-F5344CB8AC3E}">
+        <p14:creationId xmlns:p14="http://schemas.microsoft.com/office/powerpoint/2010/main" val="231849978"/>
+      </p:ext>
+    </p:extLst>
   </p:cSld>
   <p:clrMapOvr>
     <a:masterClrMapping/>
   </p:clrMapOvr>
+  <p:timing>
+    <p:tnLst>
+      <p:par>
+        <p:cTn id="1" dur="indefinite" restart="never" nodeType="tmRoot"/>
+      </p:par>
+    </p:tnLst>
+  </p:timing>
+</p:sld>
+</file>
+
+<file path=ppt/slides/slide12.xml><?xml version="1.0" encoding="utf-8"?>
+<p:sld xmlns:a="http://schemas.openxmlformats.org/drawingml/2006/main" xmlns:r="http://schemas.openxmlformats.org/officeDocument/2006/relationships" xmlns:p="http://schemas.openxmlformats.org/presentationml/2006/main">
+  <p:cSld>
+    <p:spTree>
+      <p:nvGrpSpPr>
+        <p:cNvPr id="1" name=""/>
+        <p:cNvGrpSpPr/>
+        <p:nvPr/>
+      </p:nvGrpSpPr>
+      <p:grpSpPr>
+        <a:xfrm>
+          <a:off x="0" y="0"/>
+          <a:ext cx="0" cy="0"/>
+          <a:chOff x="0" y="0"/>
+          <a:chExt cx="0" cy="0"/>
+        </a:xfrm>
+      </p:grpSpPr>
+      <p:sp>
+        <p:nvSpPr>
+          <p:cNvPr id="5" name="內容版面配置區 4"/>
+          <p:cNvSpPr>
+            <a:spLocks noGrp="1"/>
+          </p:cNvSpPr>
+          <p:nvPr>
+            <p:ph idx="1"/>
+          </p:nvPr>
+        </p:nvSpPr>
+        <p:spPr>
+          <a:xfrm>
+            <a:off x="0" y="2084851"/>
+            <a:ext cx="12192000" cy="2404863"/>
+          </a:xfrm>
+        </p:spPr>
+        <p:txBody>
+          <a:bodyPr anchor="ctr">
+            <a:normAutofit/>
+          </a:bodyPr>
+          <a:lstStyle/>
+          <a:p>
+            <a:pPr algn="ctr">
+              <a:buNone/>
+            </a:pPr>
+            <a:r>
+              <a:rPr lang="zh-TW" altLang="en-US" sz="6400" b="1" dirty="0">
+                <a:solidFill>
+                  <a:srgbClr val="660033"/>
+                </a:solidFill>
+                <a:latin typeface="微軟正黑體" pitchFamily="34" charset="-120"/>
+                <a:ea typeface="微軟正黑體" pitchFamily="34" charset="-120"/>
+              </a:rPr>
+              <a:t>同來崇拜我救主</a:t>
+            </a:r>
+            <a:endParaRPr lang="en-US" altLang="zh-TW" sz="6400" b="1" dirty="0">
+              <a:solidFill>
+                <a:srgbClr val="660033"/>
+              </a:solidFill>
+              <a:latin typeface="微軟正黑體" pitchFamily="34" charset="-120"/>
+              <a:ea typeface="微軟正黑體" pitchFamily="34" charset="-120"/>
+            </a:endParaRPr>
+          </a:p>
+          <a:p>
+            <a:pPr algn="ctr">
+              <a:buNone/>
+            </a:pPr>
+            <a:r>
+              <a:rPr lang="zh-TW" altLang="en-US" sz="6400" b="1" dirty="0">
+                <a:solidFill>
+                  <a:srgbClr val="660033"/>
+                </a:solidFill>
+                <a:latin typeface="微軟正黑體" pitchFamily="34" charset="-120"/>
+                <a:ea typeface="微軟正黑體" pitchFamily="34" charset="-120"/>
+              </a:rPr>
+              <a:t>同來崇拜我救主</a:t>
+            </a:r>
+            <a:endParaRPr lang="zh-TW" altLang="en-US" sz="6400" b="1" dirty="0">
+              <a:solidFill>
+                <a:srgbClr val="660033"/>
+              </a:solidFill>
+              <a:latin typeface="微軟正黑體" pitchFamily="34" charset="-120"/>
+              <a:ea typeface="微軟正黑體" pitchFamily="34" charset="-120"/>
+            </a:endParaRPr>
+          </a:p>
+        </p:txBody>
+      </p:sp>
+    </p:spTree>
+    <p:extLst>
+      <p:ext uri="{BB962C8B-B14F-4D97-AF65-F5344CB8AC3E}">
+        <p14:creationId xmlns:p14="http://schemas.microsoft.com/office/powerpoint/2010/main" val="3549574856"/>
+      </p:ext>
+    </p:extLst>
+  </p:cSld>
+  <p:clrMapOvr>
+    <a:masterClrMapping/>
+  </p:clrMapOvr>
+  <p:timing>
+    <p:tnLst>
+      <p:par>
+        <p:cTn id="1" dur="indefinite" restart="never" nodeType="tmRoot"/>
+      </p:par>
+    </p:tnLst>
+  </p:timing>
+</p:sld>
+</file>
+
+<file path=ppt/slides/slide13.xml><?xml version="1.0" encoding="utf-8"?>
+<p:sld xmlns:a="http://schemas.openxmlformats.org/drawingml/2006/main" xmlns:r="http://schemas.openxmlformats.org/officeDocument/2006/relationships" xmlns:p="http://schemas.openxmlformats.org/presentationml/2006/main">
+  <p:cSld>
+    <p:spTree>
+      <p:nvGrpSpPr>
+        <p:cNvPr id="1" name=""/>
+        <p:cNvGrpSpPr/>
+        <p:nvPr/>
+      </p:nvGrpSpPr>
+      <p:grpSpPr>
+        <a:xfrm>
+          <a:off x="0" y="0"/>
+          <a:ext cx="0" cy="0"/>
+          <a:chOff x="0" y="0"/>
+          <a:chExt cx="0" cy="0"/>
+        </a:xfrm>
+      </p:grpSpPr>
+      <p:sp>
+        <p:nvSpPr>
+          <p:cNvPr id="5" name="內容版面配置區 4"/>
+          <p:cNvSpPr>
+            <a:spLocks noGrp="1"/>
+          </p:cNvSpPr>
+          <p:nvPr>
+            <p:ph idx="1"/>
+          </p:nvPr>
+        </p:nvSpPr>
+        <p:spPr>
+          <a:xfrm>
+            <a:off x="0" y="2084851"/>
+            <a:ext cx="12192000" cy="2404863"/>
+          </a:xfrm>
+        </p:spPr>
+        <p:txBody>
+          <a:bodyPr anchor="ctr">
+            <a:normAutofit/>
+          </a:bodyPr>
+          <a:lstStyle/>
+          <a:p>
+            <a:pPr algn="ctr">
+              <a:buNone/>
+            </a:pPr>
+            <a:r>
+              <a:rPr lang="zh-TW" altLang="en-US" sz="6400" b="1" dirty="0">
+                <a:solidFill>
+                  <a:srgbClr val="660033"/>
+                </a:solidFill>
+                <a:latin typeface="微軟正黑體" pitchFamily="34" charset="-120"/>
+                <a:ea typeface="微軟正黑體" pitchFamily="34" charset="-120"/>
+              </a:rPr>
+              <a:t>同來崇拜我救主耶穌基督</a:t>
+            </a:r>
+            <a:endParaRPr lang="zh-TW" altLang="en-US" sz="6400" b="1" dirty="0">
+              <a:solidFill>
+                <a:srgbClr val="660033"/>
+              </a:solidFill>
+              <a:latin typeface="微軟正黑體" pitchFamily="34" charset="-120"/>
+              <a:ea typeface="微軟正黑體" pitchFamily="34" charset="-120"/>
+            </a:endParaRPr>
+          </a:p>
+        </p:txBody>
+      </p:sp>
+    </p:spTree>
+    <p:extLst>
+      <p:ext uri="{BB962C8B-B14F-4D97-AF65-F5344CB8AC3E}">
+        <p14:creationId xmlns:p14="http://schemas.microsoft.com/office/powerpoint/2010/main" val="2895350772"/>
+      </p:ext>
+    </p:extLst>
+  </p:cSld>
+  <p:clrMapOvr>
+    <a:masterClrMapping/>
+  </p:clrMapOvr>
+  <p:timing>
+    <p:tnLst>
+      <p:par>
+        <p:cTn id="1" dur="indefinite" restart="never" nodeType="tmRoot"/>
+      </p:par>
+    </p:tnLst>
+  </p:timing>
+</p:sld>
+</file>
+
+<file path=ppt/slides/slide14.xml><?xml version="1.0" encoding="utf-8"?>
+<p:sld xmlns:a="http://schemas.openxmlformats.org/drawingml/2006/main" xmlns:r="http://schemas.openxmlformats.org/officeDocument/2006/relationships" xmlns:p="http://schemas.openxmlformats.org/presentationml/2006/main">
+  <p:cSld>
+    <p:spTree>
+      <p:nvGrpSpPr>
+        <p:cNvPr id="1" name=""/>
+        <p:cNvGrpSpPr/>
+        <p:nvPr/>
+      </p:nvGrpSpPr>
+      <p:grpSpPr>
+        <a:xfrm>
+          <a:off x="0" y="0"/>
+          <a:ext cx="0" cy="0"/>
+          <a:chOff x="0" y="0"/>
+          <a:chExt cx="0" cy="0"/>
+        </a:xfrm>
+      </p:grpSpPr>
+      <p:sp>
+        <p:nvSpPr>
+          <p:cNvPr id="5" name="內容版面配置區 4"/>
+          <p:cNvSpPr>
+            <a:spLocks noGrp="1"/>
+          </p:cNvSpPr>
+          <p:nvPr>
+            <p:ph idx="1"/>
+          </p:nvPr>
+        </p:nvSpPr>
+        <p:spPr>
+          <a:xfrm>
+            <a:off x="0" y="2084851"/>
+            <a:ext cx="12192000" cy="2404863"/>
+          </a:xfrm>
+        </p:spPr>
+        <p:txBody>
+          <a:bodyPr anchor="ctr">
+            <a:normAutofit/>
+          </a:bodyPr>
+          <a:lstStyle/>
+          <a:p>
+            <a:pPr algn="ctr">
+              <a:buNone/>
+            </a:pPr>
+            <a:r>
+              <a:rPr lang="zh-TW" altLang="en-US" sz="6400" b="1" dirty="0">
+                <a:solidFill>
+                  <a:srgbClr val="660033"/>
+                </a:solidFill>
+                <a:latin typeface="微軟正黑體" pitchFamily="34" charset="-120"/>
+                <a:ea typeface="微軟正黑體" pitchFamily="34" charset="-120"/>
+              </a:rPr>
+              <a:t>我今恭賀救主</a:t>
+            </a:r>
+            <a:r>
+              <a:rPr lang="en-US" altLang="zh-TW" sz="6400" b="1" dirty="0">
+                <a:solidFill>
+                  <a:srgbClr val="660033"/>
+                </a:solidFill>
+                <a:latin typeface="微軟正黑體" pitchFamily="34" charset="-120"/>
+                <a:ea typeface="微軟正黑體" pitchFamily="34" charset="-120"/>
+              </a:rPr>
+              <a:t>  </a:t>
+            </a:r>
+            <a:r>
+              <a:rPr lang="zh-TW" altLang="en-US" sz="6400" b="1" dirty="0">
+                <a:solidFill>
+                  <a:srgbClr val="660033"/>
+                </a:solidFill>
+                <a:latin typeface="微軟正黑體" pitchFamily="34" charset="-120"/>
+                <a:ea typeface="微軟正黑體" pitchFamily="34" charset="-120"/>
+              </a:rPr>
+              <a:t>在此福日降生</a:t>
+            </a:r>
+          </a:p>
+          <a:p>
+            <a:pPr algn="ctr">
+              <a:buNone/>
+            </a:pPr>
+            <a:r>
+              <a:rPr lang="zh-TW" altLang="en-US" sz="6400" b="1" dirty="0">
+                <a:solidFill>
+                  <a:srgbClr val="660033"/>
+                </a:solidFill>
+                <a:latin typeface="微軟正黑體" pitchFamily="34" charset="-120"/>
+                <a:ea typeface="微軟正黑體" pitchFamily="34" charset="-120"/>
+              </a:rPr>
+              <a:t>惟願榮耀全歸</a:t>
+            </a:r>
+            <a:r>
+              <a:rPr lang="zh-CN" altLang="en-US" sz="6400" b="1" dirty="0">
+                <a:solidFill>
+                  <a:srgbClr val="660033"/>
+                </a:solidFill>
+                <a:latin typeface="微軟正黑體" pitchFamily="34" charset="-120"/>
+                <a:ea typeface="微軟正黑體" pitchFamily="34" charset="-120"/>
+              </a:rPr>
+              <a:t>於</a:t>
+            </a:r>
+            <a:r>
+              <a:rPr lang="zh-TW" altLang="en-US" sz="6400" b="1" dirty="0">
+                <a:solidFill>
+                  <a:srgbClr val="660033"/>
+                </a:solidFill>
+                <a:latin typeface="微軟正黑體" pitchFamily="34" charset="-120"/>
+                <a:ea typeface="微軟正黑體" pitchFamily="34" charset="-120"/>
+              </a:rPr>
+              <a:t>救主聖名</a:t>
+            </a:r>
+            <a:endParaRPr lang="zh-TW" altLang="en-US" sz="6400" b="1" dirty="0">
+              <a:solidFill>
+                <a:srgbClr val="660033"/>
+              </a:solidFill>
+              <a:latin typeface="微軟正黑體" pitchFamily="34" charset="-120"/>
+              <a:ea typeface="微軟正黑體" pitchFamily="34" charset="-120"/>
+            </a:endParaRPr>
+          </a:p>
+        </p:txBody>
+      </p:sp>
+      <p:sp>
+        <p:nvSpPr>
+          <p:cNvPr id="3" name="TextBox 2"/>
+          <p:cNvSpPr txBox="1"/>
+          <p:nvPr/>
+        </p:nvSpPr>
+        <p:spPr>
+          <a:xfrm>
+            <a:off x="0" y="5061181"/>
+            <a:ext cx="12192000" cy="748988"/>
+          </a:xfrm>
+          <a:prstGeom prst="rect">
+            <a:avLst/>
+          </a:prstGeom>
+          <a:noFill/>
+        </p:spPr>
+        <p:txBody>
+          <a:bodyPr wrap="square" rtlCol="0">
+            <a:spAutoFit/>
+          </a:bodyPr>
+          <a:lstStyle/>
+          <a:p>
+            <a:pPr algn="ctr"/>
+            <a:r>
+              <a:rPr lang="en-US" sz="4267" b="1" dirty="0">
+                <a:solidFill>
+                  <a:srgbClr val="660033"/>
+                </a:solidFill>
+              </a:rPr>
+              <a:t>( 4 / 4 )</a:t>
+            </a:r>
+            <a:endParaRPr lang="vi-VN" sz="4267" b="1" dirty="0">
+              <a:solidFill>
+                <a:srgbClr val="660033"/>
+              </a:solidFill>
+            </a:endParaRPr>
+          </a:p>
+        </p:txBody>
+      </p:sp>
+    </p:spTree>
+    <p:extLst>
+      <p:ext uri="{BB962C8B-B14F-4D97-AF65-F5344CB8AC3E}">
+        <p14:creationId xmlns:p14="http://schemas.microsoft.com/office/powerpoint/2010/main" val="1943901893"/>
+      </p:ext>
+    </p:extLst>
+  </p:cSld>
+  <p:clrMapOvr>
+    <a:masterClrMapping/>
+  </p:clrMapOvr>
+  <p:timing>
+    <p:tnLst>
+      <p:par>
+        <p:cTn id="1" dur="indefinite" restart="never" nodeType="tmRoot"/>
+      </p:par>
+    </p:tnLst>
+  </p:timing>
+</p:sld>
+</file>
+
+<file path=ppt/slides/slide15.xml><?xml version="1.0" encoding="utf-8"?>
+<p:sld xmlns:a="http://schemas.openxmlformats.org/drawingml/2006/main" xmlns:r="http://schemas.openxmlformats.org/officeDocument/2006/relationships" xmlns:p="http://schemas.openxmlformats.org/presentationml/2006/main">
+  <p:cSld>
+    <p:spTree>
+      <p:nvGrpSpPr>
+        <p:cNvPr id="1" name=""/>
+        <p:cNvGrpSpPr/>
+        <p:nvPr/>
+      </p:nvGrpSpPr>
+      <p:grpSpPr>
+        <a:xfrm>
+          <a:off x="0" y="0"/>
+          <a:ext cx="0" cy="0"/>
+          <a:chOff x="0" y="0"/>
+          <a:chExt cx="0" cy="0"/>
+        </a:xfrm>
+      </p:grpSpPr>
+      <p:sp>
+        <p:nvSpPr>
+          <p:cNvPr id="5" name="內容版面配置區 4"/>
+          <p:cNvSpPr>
+            <a:spLocks noGrp="1"/>
+          </p:cNvSpPr>
+          <p:nvPr>
+            <p:ph idx="1"/>
+          </p:nvPr>
+        </p:nvSpPr>
+        <p:spPr>
+          <a:xfrm>
+            <a:off x="0" y="2084851"/>
+            <a:ext cx="12192000" cy="2404863"/>
+          </a:xfrm>
+        </p:spPr>
+        <p:txBody>
+          <a:bodyPr anchor="ctr">
+            <a:normAutofit/>
+          </a:bodyPr>
+          <a:lstStyle/>
+          <a:p>
+            <a:pPr algn="ctr">
+              <a:buNone/>
+            </a:pPr>
+            <a:r>
+              <a:rPr lang="zh-TW" altLang="en-US" sz="6400" b="1" dirty="0">
+                <a:solidFill>
+                  <a:srgbClr val="660033"/>
+                </a:solidFill>
+                <a:latin typeface="微軟正黑體" pitchFamily="34" charset="-120"/>
+                <a:ea typeface="微軟正黑體" pitchFamily="34" charset="-120"/>
+              </a:rPr>
+              <a:t>以道成肉身  藉人形體顯明</a:t>
+            </a:r>
+            <a:endParaRPr lang="zh-TW" altLang="en-US" sz="6400" b="1" dirty="0">
+              <a:solidFill>
+                <a:srgbClr val="660033"/>
+              </a:solidFill>
+              <a:latin typeface="微軟正黑體" pitchFamily="34" charset="-120"/>
+              <a:ea typeface="微軟正黑體" pitchFamily="34" charset="-120"/>
+            </a:endParaRPr>
+          </a:p>
+        </p:txBody>
+      </p:sp>
+      <p:sp>
+        <p:nvSpPr>
+          <p:cNvPr id="3" name="TextBox 2"/>
+          <p:cNvSpPr txBox="1"/>
+          <p:nvPr/>
+        </p:nvSpPr>
+        <p:spPr>
+          <a:xfrm>
+            <a:off x="0" y="5061181"/>
+            <a:ext cx="12192000" cy="748988"/>
+          </a:xfrm>
+          <a:prstGeom prst="rect">
+            <a:avLst/>
+          </a:prstGeom>
+          <a:noFill/>
+        </p:spPr>
+        <p:txBody>
+          <a:bodyPr wrap="square" rtlCol="0">
+            <a:spAutoFit/>
+          </a:bodyPr>
+          <a:lstStyle/>
+          <a:p>
+            <a:pPr algn="ctr"/>
+            <a:r>
+              <a:rPr lang="en-US" sz="4267" b="1" dirty="0">
+                <a:solidFill>
+                  <a:srgbClr val="660033"/>
+                </a:solidFill>
+              </a:rPr>
+              <a:t>( 4 / 4 )</a:t>
+            </a:r>
+            <a:endParaRPr lang="vi-VN" sz="4267" b="1" dirty="0">
+              <a:solidFill>
+                <a:srgbClr val="660033"/>
+              </a:solidFill>
+            </a:endParaRPr>
+          </a:p>
+        </p:txBody>
+      </p:sp>
+    </p:spTree>
+    <p:extLst>
+      <p:ext uri="{BB962C8B-B14F-4D97-AF65-F5344CB8AC3E}">
+        <p14:creationId xmlns:p14="http://schemas.microsoft.com/office/powerpoint/2010/main" val="3738637578"/>
+      </p:ext>
+    </p:extLst>
+  </p:cSld>
+  <p:clrMapOvr>
+    <a:masterClrMapping/>
+  </p:clrMapOvr>
+  <p:timing>
+    <p:tnLst>
+      <p:par>
+        <p:cTn id="1" dur="indefinite" restart="never" nodeType="tmRoot"/>
+      </p:par>
+    </p:tnLst>
+  </p:timing>
+</p:sld>
+</file>
+
+<file path=ppt/slides/slide16.xml><?xml version="1.0" encoding="utf-8"?>
+<p:sld xmlns:a="http://schemas.openxmlformats.org/drawingml/2006/main" xmlns:r="http://schemas.openxmlformats.org/officeDocument/2006/relationships" xmlns:p="http://schemas.openxmlformats.org/presentationml/2006/main">
+  <p:cSld>
+    <p:spTree>
+      <p:nvGrpSpPr>
+        <p:cNvPr id="1" name=""/>
+        <p:cNvGrpSpPr/>
+        <p:nvPr/>
+      </p:nvGrpSpPr>
+      <p:grpSpPr>
+        <a:xfrm>
+          <a:off x="0" y="0"/>
+          <a:ext cx="0" cy="0"/>
+          <a:chOff x="0" y="0"/>
+          <a:chExt cx="0" cy="0"/>
+        </a:xfrm>
+      </p:grpSpPr>
+      <p:sp>
+        <p:nvSpPr>
+          <p:cNvPr id="5" name="內容版面配置區 4"/>
+          <p:cNvSpPr>
+            <a:spLocks noGrp="1"/>
+          </p:cNvSpPr>
+          <p:nvPr>
+            <p:ph idx="1"/>
+          </p:nvPr>
+        </p:nvSpPr>
+        <p:spPr>
+          <a:xfrm>
+            <a:off x="0" y="2084851"/>
+            <a:ext cx="12192000" cy="2404863"/>
+          </a:xfrm>
+        </p:spPr>
+        <p:txBody>
+          <a:bodyPr anchor="ctr">
+            <a:normAutofit/>
+          </a:bodyPr>
+          <a:lstStyle/>
+          <a:p>
+            <a:pPr algn="ctr">
+              <a:buNone/>
+            </a:pPr>
+            <a:r>
+              <a:rPr lang="zh-TW" altLang="en-US" sz="6400" b="1" dirty="0">
+                <a:solidFill>
+                  <a:srgbClr val="660033"/>
+                </a:solidFill>
+                <a:latin typeface="微軟正黑體" pitchFamily="34" charset="-120"/>
+                <a:ea typeface="微軟正黑體" pitchFamily="34" charset="-120"/>
+              </a:rPr>
+              <a:t>同來崇拜我救主</a:t>
+            </a:r>
+            <a:endParaRPr lang="en-US" altLang="zh-TW" sz="6400" b="1" dirty="0">
+              <a:solidFill>
+                <a:srgbClr val="660033"/>
+              </a:solidFill>
+              <a:latin typeface="微軟正黑體" pitchFamily="34" charset="-120"/>
+              <a:ea typeface="微軟正黑體" pitchFamily="34" charset="-120"/>
+            </a:endParaRPr>
+          </a:p>
+          <a:p>
+            <a:pPr algn="ctr">
+              <a:buNone/>
+            </a:pPr>
+            <a:r>
+              <a:rPr lang="zh-TW" altLang="en-US" sz="6400" b="1" dirty="0">
+                <a:solidFill>
+                  <a:srgbClr val="660033"/>
+                </a:solidFill>
+                <a:latin typeface="微軟正黑體" pitchFamily="34" charset="-120"/>
+                <a:ea typeface="微軟正黑體" pitchFamily="34" charset="-120"/>
+              </a:rPr>
+              <a:t>同來崇拜我救主</a:t>
+            </a:r>
+            <a:endParaRPr lang="zh-TW" altLang="en-US" sz="6400" b="1" dirty="0">
+              <a:solidFill>
+                <a:srgbClr val="660033"/>
+              </a:solidFill>
+              <a:latin typeface="微軟正黑體" pitchFamily="34" charset="-120"/>
+              <a:ea typeface="微軟正黑體" pitchFamily="34" charset="-120"/>
+            </a:endParaRPr>
+          </a:p>
+        </p:txBody>
+      </p:sp>
+    </p:spTree>
+    <p:extLst>
+      <p:ext uri="{BB962C8B-B14F-4D97-AF65-F5344CB8AC3E}">
+        <p14:creationId xmlns:p14="http://schemas.microsoft.com/office/powerpoint/2010/main" val="3128086548"/>
+      </p:ext>
+    </p:extLst>
+  </p:cSld>
+  <p:clrMapOvr>
+    <a:masterClrMapping/>
+  </p:clrMapOvr>
+  <p:timing>
+    <p:tnLst>
+      <p:par>
+        <p:cTn id="1" dur="indefinite" restart="never" nodeType="tmRoot"/>
+      </p:par>
+    </p:tnLst>
+  </p:timing>
+</p:sld>
+</file>
+
+<file path=ppt/slides/slide17.xml><?xml version="1.0" encoding="utf-8"?>
+<p:sld xmlns:a="http://schemas.openxmlformats.org/drawingml/2006/main" xmlns:r="http://schemas.openxmlformats.org/officeDocument/2006/relationships" xmlns:p="http://schemas.openxmlformats.org/presentationml/2006/main">
+  <p:cSld>
+    <p:spTree>
+      <p:nvGrpSpPr>
+        <p:cNvPr id="1" name=""/>
+        <p:cNvGrpSpPr/>
+        <p:nvPr/>
+      </p:nvGrpSpPr>
+      <p:grpSpPr>
+        <a:xfrm>
+          <a:off x="0" y="0"/>
+          <a:ext cx="0" cy="0"/>
+          <a:chOff x="0" y="0"/>
+          <a:chExt cx="0" cy="0"/>
+        </a:xfrm>
+      </p:grpSpPr>
+      <p:sp>
+        <p:nvSpPr>
+          <p:cNvPr id="5" name="內容版面配置區 4"/>
+          <p:cNvSpPr>
+            <a:spLocks noGrp="1"/>
+          </p:cNvSpPr>
+          <p:nvPr>
+            <p:ph idx="1"/>
+          </p:nvPr>
+        </p:nvSpPr>
+        <p:spPr>
+          <a:xfrm>
+            <a:off x="0" y="2084851"/>
+            <a:ext cx="12192000" cy="2404863"/>
+          </a:xfrm>
+        </p:spPr>
+        <p:txBody>
+          <a:bodyPr anchor="ctr">
+            <a:normAutofit/>
+          </a:bodyPr>
+          <a:lstStyle/>
+          <a:p>
+            <a:pPr algn="ctr">
+              <a:buNone/>
+            </a:pPr>
+            <a:r>
+              <a:rPr lang="zh-TW" altLang="en-US" sz="6400" b="1" dirty="0">
+                <a:solidFill>
+                  <a:srgbClr val="660033"/>
+                </a:solidFill>
+                <a:latin typeface="微軟正黑體" pitchFamily="34" charset="-120"/>
+                <a:ea typeface="微軟正黑體" pitchFamily="34" charset="-120"/>
+              </a:rPr>
+              <a:t>同來崇拜我救主耶穌基督</a:t>
+            </a:r>
+            <a:endParaRPr lang="zh-TW" altLang="en-US" sz="6400" b="1" dirty="0">
+              <a:solidFill>
+                <a:srgbClr val="660033"/>
+              </a:solidFill>
+              <a:latin typeface="微軟正黑體" pitchFamily="34" charset="-120"/>
+              <a:ea typeface="微軟正黑體" pitchFamily="34" charset="-120"/>
+            </a:endParaRPr>
+          </a:p>
+        </p:txBody>
+      </p:sp>
+    </p:spTree>
+    <p:extLst>
+      <p:ext uri="{BB962C8B-B14F-4D97-AF65-F5344CB8AC3E}">
+        <p14:creationId xmlns:p14="http://schemas.microsoft.com/office/powerpoint/2010/main" val="727336590"/>
+      </p:ext>
+    </p:extLst>
+  </p:cSld>
+  <p:clrMapOvr>
+    <a:masterClrMapping/>
+  </p:clrMapOvr>
+  <p:timing>
+    <p:tnLst>
+      <p:par>
+        <p:cTn id="1" dur="indefinite" restart="never" nodeType="tmRoot"/>
+      </p:par>
+    </p:tnLst>
+  </p:timing>
 </p:sld>
 </file>
 
@@ -3299,42 +4211,60 @@
       </p:grpSpPr>
       <p:sp>
         <p:nvSpPr>
-          <p:cNvPr id="4" name="標題 3"/>
-          <p:cNvSpPr>
-            <a:spLocks noGrp="1"/>
-          </p:cNvSpPr>
-          <p:nvPr>
-            <p:ph type="title"/>
-          </p:nvPr>
-        </p:nvSpPr>
-        <p:spPr/>
-        <p:txBody>
-          <a:bodyPr>
+          <p:cNvPr id="5" name="內容版面配置區 4"/>
+          <p:cNvSpPr>
+            <a:spLocks noGrp="1"/>
+          </p:cNvSpPr>
+          <p:nvPr>
+            <p:ph idx="1"/>
+          </p:nvPr>
+        </p:nvSpPr>
+        <p:spPr>
+          <a:xfrm>
+            <a:off x="0" y="2084851"/>
+            <a:ext cx="12192000" cy="2404863"/>
+          </a:xfrm>
+        </p:spPr>
+        <p:txBody>
+          <a:bodyPr anchor="ctr">
             <a:normAutofit/>
           </a:bodyPr>
           <a:lstStyle/>
           <a:p>
-            <a:r>
-              <a:rPr lang="zh-TW" altLang="en-US" b="1" dirty="0">
+            <a:pPr algn="ctr">
+              <a:buNone/>
+            </a:pPr>
+            <a:r>
+              <a:rPr lang="zh-TW" altLang="en-US" sz="6400" b="1" dirty="0">
                 <a:solidFill>
                   <a:srgbClr val="660033"/>
                 </a:solidFill>
                 <a:latin typeface="微軟正黑體" pitchFamily="34" charset="-120"/>
                 <a:ea typeface="微軟正黑體" pitchFamily="34" charset="-120"/>
               </a:rPr>
-              <a:t>朝賀耶穌</a:t>
-            </a:r>
-            <a:r>
-              <a:rPr lang="zh-TW" altLang="en-US" b="1" dirty="0" smtClean="0">
+              <a:t>請來忠信聖徒</a:t>
+            </a:r>
+            <a:r>
+              <a:rPr lang="en-US" altLang="zh-TW" sz="6400" b="1" dirty="0">
                 <a:solidFill>
                   <a:srgbClr val="660033"/>
                 </a:solidFill>
                 <a:latin typeface="微軟正黑體" pitchFamily="34" charset="-120"/>
                 <a:ea typeface="微軟正黑體" pitchFamily="34" charset="-120"/>
               </a:rPr>
-              <a:t>降生</a:t>
-            </a:r>
-            <a:endParaRPr lang="zh-TW" altLang="en-US" b="1" dirty="0">
+              <a:t>  </a:t>
+            </a:r>
+            <a:r>
+              <a:rPr lang="zh-TW" altLang="en-US" sz="6400" b="1" dirty="0">
+                <a:solidFill>
+                  <a:srgbClr val="660033"/>
+                </a:solidFill>
+                <a:latin typeface="微軟正黑體" pitchFamily="34" charset="-120"/>
+                <a:ea typeface="微軟正黑體" pitchFamily="34" charset="-120"/>
+              </a:rPr>
+              <a:t>都同一齊來臨</a:t>
+            </a:r>
+            <a:endParaRPr lang="en-US" altLang="zh-TW" sz="6400" b="1" dirty="0">
               <a:solidFill>
                 <a:srgbClr val="660033"/>
               </a:solidFill>
@@ -3342,105 +4272,79 @@
               <a:ea typeface="微軟正黑體" pitchFamily="34" charset="-120"/>
             </a:endParaRPr>
           </a:p>
-        </p:txBody>
-      </p:sp>
-      <p:sp>
-        <p:nvSpPr>
-          <p:cNvPr id="5" name="內容版面配置區 4"/>
-          <p:cNvSpPr>
-            <a:spLocks noGrp="1"/>
-          </p:cNvSpPr>
-          <p:nvPr>
-            <p:ph idx="1"/>
-          </p:nvPr>
-        </p:nvSpPr>
-        <p:spPr>
-          <a:xfrm>
-            <a:off x="0" y="1807361"/>
-            <a:ext cx="9144000" cy="4051437"/>
-          </a:xfrm>
-        </p:spPr>
-        <p:txBody>
-          <a:bodyPr>
-            <a:noAutofit/>
-          </a:bodyPr>
-          <a:lstStyle/>
           <a:p>
             <a:pPr algn="ctr">
               <a:buNone/>
             </a:pPr>
             <a:r>
-              <a:rPr lang="zh-TW" altLang="en-US" sz="5400" b="1" dirty="0">
+              <a:rPr lang="zh-TW" altLang="en-US" sz="6400" b="1" dirty="0">
                 <a:solidFill>
                   <a:srgbClr val="660033"/>
                 </a:solidFill>
                 <a:latin typeface="微軟正黑體" pitchFamily="34" charset="-120"/>
                 <a:ea typeface="微軟正黑體" pitchFamily="34" charset="-120"/>
               </a:rPr>
-              <a:t>同來崇拜我</a:t>
-            </a:r>
-            <a:r>
-              <a:rPr lang="zh-TW" altLang="en-US" sz="5400" b="1" dirty="0" smtClean="0">
+              <a:t>現開喜樂勝會在於伯利恆</a:t>
+            </a:r>
+          </a:p>
+        </p:txBody>
+      </p:sp>
+      <p:sp>
+        <p:nvSpPr>
+          <p:cNvPr id="3" name="TextBox 2"/>
+          <p:cNvSpPr txBox="1"/>
+          <p:nvPr/>
+        </p:nvSpPr>
+        <p:spPr>
+          <a:xfrm>
+            <a:off x="0" y="5061181"/>
+            <a:ext cx="12192000" cy="748988"/>
+          </a:xfrm>
+          <a:prstGeom prst="rect">
+            <a:avLst/>
+          </a:prstGeom>
+          <a:noFill/>
+        </p:spPr>
+        <p:txBody>
+          <a:bodyPr wrap="square" rtlCol="0">
+            <a:spAutoFit/>
+          </a:bodyPr>
+          <a:lstStyle/>
+          <a:p>
+            <a:pPr algn="ctr"/>
+            <a:r>
+              <a:rPr lang="en-US" sz="4267" b="1" dirty="0">
                 <a:solidFill>
                   <a:srgbClr val="660033"/>
                 </a:solidFill>
-                <a:latin typeface="微軟正黑體" pitchFamily="34" charset="-120"/>
-                <a:ea typeface="微軟正黑體" pitchFamily="34" charset="-120"/>
               </a:rPr>
-              <a:t>救主</a:t>
-            </a:r>
-            <a:endParaRPr lang="en-US" altLang="zh-TW" sz="5400" b="1" dirty="0" smtClean="0">
+              <a:t>( 1 / 4 )</a:t>
+            </a:r>
+            <a:endParaRPr lang="vi-VN" sz="4267" b="1" dirty="0">
               <a:solidFill>
                 <a:srgbClr val="660033"/>
               </a:solidFill>
-              <a:latin typeface="微軟正黑體" pitchFamily="34" charset="-120"/>
-              <a:ea typeface="微軟正黑體" pitchFamily="34" charset="-120"/>
             </a:endParaRPr>
           </a:p>
-          <a:p>
-            <a:pPr algn="ctr">
-              <a:buNone/>
-            </a:pPr>
-            <a:r>
-              <a:rPr lang="zh-TW" altLang="en-US" sz="5400" b="1" dirty="0" smtClean="0">
-                <a:solidFill>
-                  <a:srgbClr val="660033"/>
-                </a:solidFill>
-                <a:latin typeface="微軟正黑體" pitchFamily="34" charset="-120"/>
-                <a:ea typeface="微軟正黑體" pitchFamily="34" charset="-120"/>
-              </a:rPr>
-              <a:t>同來崇拜我救主</a:t>
-            </a:r>
-            <a:endParaRPr lang="zh-TW" altLang="en-US" sz="5400" b="1" dirty="0">
-              <a:solidFill>
-                <a:srgbClr val="660033"/>
-              </a:solidFill>
-              <a:latin typeface="微軟正黑體" pitchFamily="34" charset="-120"/>
-              <a:ea typeface="微軟正黑體" pitchFamily="34" charset="-120"/>
-            </a:endParaRPr>
-          </a:p>
-          <a:p>
-            <a:pPr algn="ctr">
-              <a:buNone/>
-            </a:pPr>
-            <a:r>
-              <a:rPr lang="zh-TW" altLang="en-US" sz="5400" b="1" dirty="0">
-                <a:solidFill>
-                  <a:srgbClr val="660033"/>
-                </a:solidFill>
-                <a:latin typeface="微軟正黑體" pitchFamily="34" charset="-120"/>
-                <a:ea typeface="微軟正黑體" pitchFamily="34" charset="-120"/>
-              </a:rPr>
-              <a:t>同來崇拜我救主耶穌基督</a:t>
-            </a:r>
-          </a:p>
         </p:txBody>
       </p:sp>
     </p:spTree>
+    <p:extLst>
+      <p:ext uri="{BB962C8B-B14F-4D97-AF65-F5344CB8AC3E}">
+        <p14:creationId xmlns:p14="http://schemas.microsoft.com/office/powerpoint/2010/main" val="1974567631"/>
+      </p:ext>
+    </p:extLst>
   </p:cSld>
   <p:clrMapOvr>
     <a:masterClrMapping/>
   </p:clrMapOvr>
+  <p:timing>
+    <p:tnLst>
+      <p:par>
+        <p:cTn id="1" dur="indefinite" restart="never" nodeType="tmRoot"/>
+      </p:par>
+    </p:tnLst>
+  </p:timing>
 </p:sld>
 </file>
 
@@ -3463,186 +4367,98 @@
       </p:grpSpPr>
       <p:sp>
         <p:nvSpPr>
-          <p:cNvPr id="4" name="標題 3"/>
-          <p:cNvSpPr>
-            <a:spLocks noGrp="1"/>
-          </p:cNvSpPr>
-          <p:nvPr>
-            <p:ph type="title"/>
-          </p:nvPr>
-        </p:nvSpPr>
-        <p:spPr/>
-        <p:txBody>
-          <a:bodyPr>
+          <p:cNvPr id="5" name="內容版面配置區 4"/>
+          <p:cNvSpPr>
+            <a:spLocks noGrp="1"/>
+          </p:cNvSpPr>
+          <p:nvPr>
+            <p:ph idx="1"/>
+          </p:nvPr>
+        </p:nvSpPr>
+        <p:spPr>
+          <a:xfrm>
+            <a:off x="0" y="2084851"/>
+            <a:ext cx="12192000" cy="2404863"/>
+          </a:xfrm>
+        </p:spPr>
+        <p:txBody>
+          <a:bodyPr anchor="ctr">
             <a:normAutofit/>
           </a:bodyPr>
           <a:lstStyle/>
           <a:p>
-            <a:r>
-              <a:rPr lang="zh-TW" altLang="en-US" b="1" dirty="0">
+            <a:pPr algn="ctr">
+              <a:buNone/>
+            </a:pPr>
+            <a:r>
+              <a:rPr lang="zh-TW" altLang="en-US" sz="6400" b="1" dirty="0">
                 <a:solidFill>
                   <a:srgbClr val="660033"/>
                 </a:solidFill>
                 <a:latin typeface="微軟正黑體" pitchFamily="34" charset="-120"/>
                 <a:ea typeface="微軟正黑體" pitchFamily="34" charset="-120"/>
               </a:rPr>
-              <a:t>朝賀耶穌</a:t>
-            </a:r>
-            <a:r>
-              <a:rPr lang="zh-TW" altLang="en-US" b="1" dirty="0" smtClean="0">
+              <a:t>看聖嬰孩生為天下萬聖君</a:t>
+            </a:r>
+          </a:p>
+        </p:txBody>
+      </p:sp>
+      <p:sp>
+        <p:nvSpPr>
+          <p:cNvPr id="3" name="TextBox 2"/>
+          <p:cNvSpPr txBox="1"/>
+          <p:nvPr/>
+        </p:nvSpPr>
+        <p:spPr>
+          <a:xfrm>
+            <a:off x="0" y="5061181"/>
+            <a:ext cx="12192000" cy="748988"/>
+          </a:xfrm>
+          <a:prstGeom prst="rect">
+            <a:avLst/>
+          </a:prstGeom>
+          <a:noFill/>
+        </p:spPr>
+        <p:txBody>
+          <a:bodyPr wrap="square" rtlCol="0">
+            <a:spAutoFit/>
+          </a:bodyPr>
+          <a:lstStyle/>
+          <a:p>
+            <a:pPr algn="ctr"/>
+            <a:r>
+              <a:rPr lang="en-US" sz="4267" b="1" dirty="0">
                 <a:solidFill>
                   <a:srgbClr val="660033"/>
                 </a:solidFill>
-                <a:latin typeface="微軟正黑體" pitchFamily="34" charset="-120"/>
-                <a:ea typeface="微軟正黑體" pitchFamily="34" charset="-120"/>
               </a:rPr>
-              <a:t>降生</a:t>
-            </a:r>
-            <a:endParaRPr lang="zh-TW" altLang="en-US" b="1" dirty="0">
+              <a:t>( 1 / 4 )</a:t>
+            </a:r>
+            <a:endParaRPr lang="vi-VN" sz="4267" b="1" dirty="0">
               <a:solidFill>
                 <a:srgbClr val="660033"/>
               </a:solidFill>
-              <a:latin typeface="微軟正黑體" pitchFamily="34" charset="-120"/>
-              <a:ea typeface="微軟正黑體" pitchFamily="34" charset="-120"/>
             </a:endParaRPr>
           </a:p>
         </p:txBody>
       </p:sp>
-      <p:sp>
-        <p:nvSpPr>
-          <p:cNvPr id="5" name="內容版面配置區 4"/>
-          <p:cNvSpPr>
-            <a:spLocks noGrp="1"/>
-          </p:cNvSpPr>
-          <p:nvPr>
-            <p:ph idx="1"/>
-          </p:nvPr>
-        </p:nvSpPr>
-        <p:spPr>
-          <a:xfrm>
-            <a:off x="0" y="1807361"/>
-            <a:ext cx="9144000" cy="4051437"/>
-          </a:xfrm>
-        </p:spPr>
-        <p:txBody>
-          <a:bodyPr>
-            <a:noAutofit/>
-          </a:bodyPr>
-          <a:lstStyle/>
-          <a:p>
-            <a:pPr algn="ctr">
-              <a:buNone/>
-            </a:pPr>
-            <a:r>
-              <a:rPr lang="zh-TW" altLang="en-US" sz="5400" b="1" dirty="0">
-                <a:solidFill>
-                  <a:srgbClr val="660033"/>
-                </a:solidFill>
-                <a:latin typeface="微軟正黑體" pitchFamily="34" charset="-120"/>
-                <a:ea typeface="微軟正黑體" pitchFamily="34" charset="-120"/>
-              </a:rPr>
-              <a:t>真神出自</a:t>
-            </a:r>
-            <a:r>
-              <a:rPr lang="zh-TW" altLang="en-US" sz="5400" b="1" dirty="0" smtClean="0">
-                <a:solidFill>
-                  <a:srgbClr val="660033"/>
-                </a:solidFill>
-                <a:latin typeface="微軟正黑體" pitchFamily="34" charset="-120"/>
-                <a:ea typeface="微軟正黑體" pitchFamily="34" charset="-120"/>
-              </a:rPr>
-              <a:t>真神</a:t>
-            </a:r>
-            <a:endParaRPr lang="en-US" altLang="zh-TW" sz="5400" b="1" dirty="0" smtClean="0">
-              <a:solidFill>
-                <a:srgbClr val="660033"/>
-              </a:solidFill>
-              <a:latin typeface="微軟正黑體" pitchFamily="34" charset="-120"/>
-              <a:ea typeface="微軟正黑體" pitchFamily="34" charset="-120"/>
-            </a:endParaRPr>
-          </a:p>
-          <a:p>
-            <a:pPr algn="ctr">
-              <a:buNone/>
-            </a:pPr>
-            <a:r>
-              <a:rPr lang="zh-TW" altLang="en-US" sz="5400" b="1" dirty="0" smtClean="0">
-                <a:solidFill>
-                  <a:srgbClr val="660033"/>
-                </a:solidFill>
-                <a:latin typeface="微軟正黑體" pitchFamily="34" charset="-120"/>
-                <a:ea typeface="微軟正黑體" pitchFamily="34" charset="-120"/>
-              </a:rPr>
-              <a:t>真</a:t>
-            </a:r>
-            <a:r>
-              <a:rPr lang="zh-TW" altLang="en-US" sz="5400" b="1" dirty="0">
-                <a:solidFill>
-                  <a:srgbClr val="660033"/>
-                </a:solidFill>
-                <a:latin typeface="微軟正黑體" pitchFamily="34" charset="-120"/>
-                <a:ea typeface="微軟正黑體" pitchFamily="34" charset="-120"/>
-              </a:rPr>
-              <a:t>光出自真光</a:t>
-            </a:r>
-          </a:p>
-          <a:p>
-            <a:pPr algn="ctr">
-              <a:buNone/>
-            </a:pPr>
-            <a:r>
-              <a:rPr lang="zh-TW" altLang="en-US" sz="5400" b="1" dirty="0">
-                <a:solidFill>
-                  <a:srgbClr val="660033"/>
-                </a:solidFill>
-                <a:latin typeface="微軟正黑體" pitchFamily="34" charset="-120"/>
-                <a:ea typeface="微軟正黑體" pitchFamily="34" charset="-120"/>
-              </a:rPr>
-              <a:t>存心虛</a:t>
-            </a:r>
-            <a:r>
-              <a:rPr lang="zh-TW" altLang="en-US" sz="5400" b="1" dirty="0" smtClean="0">
-                <a:solidFill>
-                  <a:srgbClr val="660033"/>
-                </a:solidFill>
-                <a:latin typeface="微軟正黑體" pitchFamily="34" charset="-120"/>
-                <a:ea typeface="微軟正黑體" pitchFamily="34" charset="-120"/>
-              </a:rPr>
-              <a:t>己不</a:t>
-            </a:r>
-            <a:r>
-              <a:rPr lang="zh-TW" altLang="en-US" sz="5400" b="1" dirty="0">
-                <a:solidFill>
-                  <a:srgbClr val="660033"/>
-                </a:solidFill>
-                <a:latin typeface="微軟正黑體" pitchFamily="34" charset="-120"/>
-                <a:ea typeface="微軟正黑體" pitchFamily="34" charset="-120"/>
-              </a:rPr>
-              <a:t>嫌童貞女胎生</a:t>
-            </a:r>
-          </a:p>
-          <a:p>
-            <a:pPr algn="ctr">
-              <a:buNone/>
-            </a:pPr>
-            <a:r>
-              <a:rPr lang="zh-TW" altLang="en-US" sz="5400" b="1" dirty="0">
-                <a:solidFill>
-                  <a:srgbClr val="660033"/>
-                </a:solidFill>
-                <a:latin typeface="微軟正黑體" pitchFamily="34" charset="-120"/>
-                <a:ea typeface="微軟正黑體" pitchFamily="34" charset="-120"/>
-              </a:rPr>
-              <a:t>真神之真神 非受造乃由生</a:t>
-            </a:r>
-          </a:p>
-        </p:txBody>
-      </p:sp>
     </p:spTree>
+    <p:extLst>
+      <p:ext uri="{BB962C8B-B14F-4D97-AF65-F5344CB8AC3E}">
+        <p14:creationId xmlns:p14="http://schemas.microsoft.com/office/powerpoint/2010/main" val="3579667686"/>
+      </p:ext>
+    </p:extLst>
   </p:cSld>
   <p:clrMapOvr>
     <a:masterClrMapping/>
   </p:clrMapOvr>
+  <p:timing>
+    <p:tnLst>
+      <p:par>
+        <p:cTn id="1" dur="indefinite" restart="never" nodeType="tmRoot"/>
+      </p:par>
+    </p:tnLst>
+  </p:timing>
 </p:sld>
 </file>
 
@@ -3665,42 +4481,40 @@
       </p:grpSpPr>
       <p:sp>
         <p:nvSpPr>
-          <p:cNvPr id="4" name="標題 3"/>
-          <p:cNvSpPr>
-            <a:spLocks noGrp="1"/>
-          </p:cNvSpPr>
-          <p:nvPr>
-            <p:ph type="title"/>
-          </p:nvPr>
-        </p:nvSpPr>
-        <p:spPr/>
-        <p:txBody>
-          <a:bodyPr>
+          <p:cNvPr id="5" name="內容版面配置區 4"/>
+          <p:cNvSpPr>
+            <a:spLocks noGrp="1"/>
+          </p:cNvSpPr>
+          <p:nvPr>
+            <p:ph idx="1"/>
+          </p:nvPr>
+        </p:nvSpPr>
+        <p:spPr>
+          <a:xfrm>
+            <a:off x="0" y="2084851"/>
+            <a:ext cx="12192000" cy="2404863"/>
+          </a:xfrm>
+        </p:spPr>
+        <p:txBody>
+          <a:bodyPr anchor="ctr">
             <a:normAutofit/>
           </a:bodyPr>
           <a:lstStyle/>
           <a:p>
-            <a:r>
-              <a:rPr lang="zh-TW" altLang="en-US" b="1" dirty="0">
+            <a:pPr algn="ctr">
+              <a:buNone/>
+            </a:pPr>
+            <a:r>
+              <a:rPr lang="zh-TW" altLang="en-US" sz="6400" b="1" dirty="0">
                 <a:solidFill>
                   <a:srgbClr val="660033"/>
                 </a:solidFill>
                 <a:latin typeface="微軟正黑體" pitchFamily="34" charset="-120"/>
                 <a:ea typeface="微軟正黑體" pitchFamily="34" charset="-120"/>
               </a:rPr>
-              <a:t>朝賀耶穌</a:t>
-            </a:r>
-            <a:r>
-              <a:rPr lang="zh-TW" altLang="en-US" b="1" dirty="0" smtClean="0">
-                <a:solidFill>
-                  <a:srgbClr val="660033"/>
-                </a:solidFill>
-                <a:latin typeface="微軟正黑體" pitchFamily="34" charset="-120"/>
-                <a:ea typeface="微軟正黑體" pitchFamily="34" charset="-120"/>
-              </a:rPr>
-              <a:t>降生</a:t>
-            </a:r>
-            <a:endParaRPr lang="zh-TW" altLang="en-US" b="1" dirty="0">
+              <a:t>同來崇拜我救主</a:t>
+            </a:r>
+            <a:endParaRPr lang="en-US" altLang="zh-TW" sz="6400" b="1" dirty="0">
               <a:solidFill>
                 <a:srgbClr val="660033"/>
               </a:solidFill>
@@ -3708,54 +4522,21 @@
               <a:ea typeface="微軟正黑體" pitchFamily="34" charset="-120"/>
             </a:endParaRPr>
           </a:p>
-        </p:txBody>
-      </p:sp>
-      <p:sp>
-        <p:nvSpPr>
-          <p:cNvPr id="5" name="內容版面配置區 4"/>
-          <p:cNvSpPr>
-            <a:spLocks noGrp="1"/>
-          </p:cNvSpPr>
-          <p:nvPr>
-            <p:ph idx="1"/>
-          </p:nvPr>
-        </p:nvSpPr>
-        <p:spPr>
-          <a:xfrm>
-            <a:off x="0" y="1807361"/>
-            <a:ext cx="9144000" cy="4051437"/>
-          </a:xfrm>
-        </p:spPr>
-        <p:txBody>
-          <a:bodyPr>
-            <a:noAutofit/>
-          </a:bodyPr>
-          <a:lstStyle/>
           <a:p>
             <a:pPr algn="ctr">
               <a:buNone/>
             </a:pPr>
             <a:r>
-              <a:rPr lang="zh-TW" altLang="en-US" sz="5400" b="1" dirty="0">
+              <a:rPr lang="zh-TW" altLang="en-US" sz="6400" b="1" dirty="0">
                 <a:solidFill>
                   <a:srgbClr val="660033"/>
                 </a:solidFill>
                 <a:latin typeface="微軟正黑體" pitchFamily="34" charset="-120"/>
                 <a:ea typeface="微軟正黑體" pitchFamily="34" charset="-120"/>
               </a:rPr>
-              <a:t>同來崇拜我</a:t>
-            </a:r>
-            <a:r>
-              <a:rPr lang="zh-TW" altLang="en-US" sz="5400" b="1" dirty="0" smtClean="0">
-                <a:solidFill>
-                  <a:srgbClr val="660033"/>
-                </a:solidFill>
-                <a:latin typeface="微軟正黑體" pitchFamily="34" charset="-120"/>
-                <a:ea typeface="微軟正黑體" pitchFamily="34" charset="-120"/>
-              </a:rPr>
-              <a:t>救主</a:t>
-            </a:r>
-            <a:endParaRPr lang="en-US" altLang="zh-TW" sz="5400" b="1" dirty="0" smtClean="0">
+              <a:t>同來崇拜我救主</a:t>
+            </a:r>
+            <a:endParaRPr lang="zh-TW" altLang="en-US" sz="6400" b="1" dirty="0">
               <a:solidFill>
                 <a:srgbClr val="660033"/>
               </a:solidFill>
@@ -3763,50 +4544,25 @@
               <a:ea typeface="微軟正黑體" pitchFamily="34" charset="-120"/>
             </a:endParaRPr>
           </a:p>
-          <a:p>
-            <a:pPr algn="ctr">
-              <a:buNone/>
-            </a:pPr>
-            <a:r>
-              <a:rPr lang="zh-TW" altLang="en-US" sz="5400" b="1" dirty="0" smtClean="0">
-                <a:solidFill>
-                  <a:srgbClr val="660033"/>
-                </a:solidFill>
-                <a:latin typeface="微軟正黑體" pitchFamily="34" charset="-120"/>
-                <a:ea typeface="微軟正黑體" pitchFamily="34" charset="-120"/>
-              </a:rPr>
-              <a:t>同來崇拜我救主</a:t>
-            </a:r>
-            <a:endParaRPr lang="zh-TW" altLang="en-US" sz="5400" b="1" dirty="0">
-              <a:solidFill>
-                <a:srgbClr val="660033"/>
-              </a:solidFill>
-              <a:latin typeface="微軟正黑體" pitchFamily="34" charset="-120"/>
-              <a:ea typeface="微軟正黑體" pitchFamily="34" charset="-120"/>
-            </a:endParaRPr>
-          </a:p>
-          <a:p>
-            <a:pPr algn="ctr">
-              <a:buNone/>
-            </a:pPr>
-            <a:r>
-              <a:rPr lang="zh-TW" altLang="en-US" sz="5400" b="1" dirty="0">
-                <a:solidFill>
-                  <a:srgbClr val="660033"/>
-                </a:solidFill>
-                <a:latin typeface="微軟正黑體" pitchFamily="34" charset="-120"/>
-                <a:ea typeface="微軟正黑體" pitchFamily="34" charset="-120"/>
-              </a:rPr>
-              <a:t>同來崇拜我救主耶穌基督</a:t>
-            </a:r>
-          </a:p>
         </p:txBody>
       </p:sp>
     </p:spTree>
+    <p:extLst>
+      <p:ext uri="{BB962C8B-B14F-4D97-AF65-F5344CB8AC3E}">
+        <p14:creationId xmlns:p14="http://schemas.microsoft.com/office/powerpoint/2010/main" val="1707428645"/>
+      </p:ext>
+    </p:extLst>
   </p:cSld>
   <p:clrMapOvr>
     <a:masterClrMapping/>
   </p:clrMapOvr>
+  <p:timing>
+    <p:tnLst>
+      <p:par>
+        <p:cTn id="1" dur="indefinite" restart="never" nodeType="tmRoot"/>
+      </p:par>
+    </p:tnLst>
+  </p:timing>
 </p:sld>
 </file>
 
@@ -3829,42 +4585,40 @@
       </p:grpSpPr>
       <p:sp>
         <p:nvSpPr>
-          <p:cNvPr id="4" name="標題 3"/>
-          <p:cNvSpPr>
-            <a:spLocks noGrp="1"/>
-          </p:cNvSpPr>
-          <p:nvPr>
-            <p:ph type="title"/>
-          </p:nvPr>
-        </p:nvSpPr>
-        <p:spPr/>
-        <p:txBody>
-          <a:bodyPr>
+          <p:cNvPr id="5" name="內容版面配置區 4"/>
+          <p:cNvSpPr>
+            <a:spLocks noGrp="1"/>
+          </p:cNvSpPr>
+          <p:nvPr>
+            <p:ph idx="1"/>
+          </p:nvPr>
+        </p:nvSpPr>
+        <p:spPr>
+          <a:xfrm>
+            <a:off x="0" y="2084851"/>
+            <a:ext cx="12192000" cy="2404863"/>
+          </a:xfrm>
+        </p:spPr>
+        <p:txBody>
+          <a:bodyPr anchor="ctr">
             <a:normAutofit/>
           </a:bodyPr>
           <a:lstStyle/>
           <a:p>
-            <a:r>
-              <a:rPr lang="zh-TW" altLang="en-US" b="1" dirty="0">
+            <a:pPr algn="ctr">
+              <a:buNone/>
+            </a:pPr>
+            <a:r>
+              <a:rPr lang="zh-TW" altLang="en-US" sz="6400" b="1" dirty="0">
                 <a:solidFill>
                   <a:srgbClr val="660033"/>
                 </a:solidFill>
                 <a:latin typeface="微軟正黑體" pitchFamily="34" charset="-120"/>
                 <a:ea typeface="微軟正黑體" pitchFamily="34" charset="-120"/>
               </a:rPr>
-              <a:t>朝賀耶穌</a:t>
-            </a:r>
-            <a:r>
-              <a:rPr lang="zh-TW" altLang="en-US" b="1" dirty="0" smtClean="0">
-                <a:solidFill>
-                  <a:srgbClr val="660033"/>
-                </a:solidFill>
-                <a:latin typeface="微軟正黑體" pitchFamily="34" charset="-120"/>
-                <a:ea typeface="微軟正黑體" pitchFamily="34" charset="-120"/>
-              </a:rPr>
-              <a:t>降生</a:t>
-            </a:r>
-            <a:endParaRPr lang="zh-TW" altLang="en-US" b="1" dirty="0">
+              <a:t>同來崇拜我救主耶穌基督</a:t>
+            </a:r>
+            <a:endParaRPr lang="zh-TW" altLang="en-US" sz="6400" b="1" dirty="0">
               <a:solidFill>
                 <a:srgbClr val="660033"/>
               </a:solidFill>
@@ -3874,161 +4628,23 @@
           </a:p>
         </p:txBody>
       </p:sp>
-      <p:sp>
-        <p:nvSpPr>
-          <p:cNvPr id="5" name="內容版面配置區 4"/>
-          <p:cNvSpPr>
-            <a:spLocks noGrp="1"/>
-          </p:cNvSpPr>
-          <p:nvPr>
-            <p:ph idx="1"/>
-          </p:nvPr>
-        </p:nvSpPr>
-        <p:spPr>
-          <a:xfrm>
-            <a:off x="0" y="1807361"/>
-            <a:ext cx="9144000" cy="4051437"/>
-          </a:xfrm>
-        </p:spPr>
-        <p:txBody>
-          <a:bodyPr>
-            <a:noAutofit/>
-          </a:bodyPr>
-          <a:lstStyle/>
-          <a:p>
-            <a:pPr algn="ctr">
-              <a:buNone/>
-            </a:pPr>
-            <a:r>
-              <a:rPr lang="zh-TW" altLang="en-US" sz="5400" b="1" dirty="0">
-                <a:solidFill>
-                  <a:srgbClr val="660033"/>
-                </a:solidFill>
-                <a:latin typeface="微軟正黑體" pitchFamily="34" charset="-120"/>
-                <a:ea typeface="微軟正黑體" pitchFamily="34" charset="-120"/>
-              </a:rPr>
-              <a:t>與天使同</a:t>
-            </a:r>
-            <a:r>
-              <a:rPr lang="zh-TW" altLang="en-US" sz="5400" b="1" dirty="0" smtClean="0">
-                <a:solidFill>
-                  <a:srgbClr val="660033"/>
-                </a:solidFill>
-                <a:latin typeface="微軟正黑體" pitchFamily="34" charset="-120"/>
-                <a:ea typeface="微軟正黑體" pitchFamily="34" charset="-120"/>
-              </a:rPr>
-              <a:t>唱和</a:t>
-            </a:r>
-            <a:endParaRPr lang="en-US" altLang="zh-TW" sz="5400" b="1" dirty="0" smtClean="0">
-              <a:solidFill>
-                <a:srgbClr val="660033"/>
-              </a:solidFill>
-              <a:latin typeface="微軟正黑體" pitchFamily="34" charset="-120"/>
-              <a:ea typeface="微軟正黑體" pitchFamily="34" charset="-120"/>
-            </a:endParaRPr>
-          </a:p>
-          <a:p>
-            <a:pPr algn="ctr">
-              <a:buNone/>
-            </a:pPr>
-            <a:r>
-              <a:rPr lang="zh-TW" altLang="en-US" sz="5400" b="1" dirty="0" smtClean="0">
-                <a:solidFill>
-                  <a:srgbClr val="660033"/>
-                </a:solidFill>
-                <a:latin typeface="微軟正黑體" pitchFamily="34" charset="-120"/>
-                <a:ea typeface="微軟正黑體" pitchFamily="34" charset="-120"/>
-              </a:rPr>
-              <a:t>音樂</a:t>
-            </a:r>
-            <a:r>
-              <a:rPr lang="zh-TW" altLang="en-US" sz="5400" b="1" dirty="0">
-                <a:solidFill>
-                  <a:srgbClr val="660033"/>
-                </a:solidFill>
-                <a:latin typeface="微軟正黑體" pitchFamily="34" charset="-120"/>
-                <a:ea typeface="微軟正黑體" pitchFamily="34" charset="-120"/>
-              </a:rPr>
-              <a:t>滿佈穹蒼</a:t>
-            </a:r>
-          </a:p>
-          <a:p>
-            <a:pPr algn="ctr">
-              <a:buNone/>
-            </a:pPr>
-            <a:r>
-              <a:rPr lang="zh-TW" altLang="en-US" sz="5400" b="1" dirty="0">
-                <a:solidFill>
-                  <a:srgbClr val="660033"/>
-                </a:solidFill>
-                <a:latin typeface="微軟正黑體" pitchFamily="34" charset="-120"/>
-                <a:ea typeface="微軟正黑體" pitchFamily="34" charset="-120"/>
-              </a:rPr>
-              <a:t>與天上</a:t>
-            </a:r>
-            <a:r>
-              <a:rPr lang="zh-TW" altLang="en-US" sz="5400" b="1" dirty="0" smtClean="0">
-                <a:solidFill>
-                  <a:srgbClr val="660033"/>
-                </a:solidFill>
-                <a:latin typeface="微軟正黑體" pitchFamily="34" charset="-120"/>
-                <a:ea typeface="微軟正黑體" pitchFamily="34" charset="-120"/>
-              </a:rPr>
-              <a:t>國民齊</a:t>
-            </a:r>
-            <a:r>
-              <a:rPr lang="zh-TW" altLang="en-US" sz="5400" b="1" dirty="0">
-                <a:solidFill>
-                  <a:srgbClr val="660033"/>
-                </a:solidFill>
-                <a:latin typeface="微軟正黑體" pitchFamily="34" charset="-120"/>
-                <a:ea typeface="微軟正黑體" pitchFamily="34" charset="-120"/>
-              </a:rPr>
-              <a:t>同頌朝聖王</a:t>
-            </a:r>
-          </a:p>
-          <a:p>
-            <a:pPr algn="ctr">
-              <a:buNone/>
-            </a:pPr>
-            <a:r>
-              <a:rPr lang="zh-TW" altLang="en-US" sz="5400" b="1" dirty="0">
-                <a:solidFill>
-                  <a:srgbClr val="660033"/>
-                </a:solidFill>
-                <a:latin typeface="微軟正黑體" pitchFamily="34" charset="-120"/>
-                <a:ea typeface="微軟正黑體" pitchFamily="34" charset="-120"/>
-              </a:rPr>
-              <a:t>榮耀歸</a:t>
-            </a:r>
-            <a:r>
-              <a:rPr lang="zh-TW" altLang="en-US" sz="5400" b="1" dirty="0" smtClean="0">
-                <a:solidFill>
-                  <a:srgbClr val="660033"/>
-                </a:solidFill>
-                <a:latin typeface="微軟正黑體" pitchFamily="34" charset="-120"/>
-                <a:ea typeface="微軟正黑體" pitchFamily="34" charset="-120"/>
-              </a:rPr>
-              <a:t>真神在</a:t>
-            </a:r>
-            <a:r>
-              <a:rPr lang="zh-TW" altLang="en-US" sz="5400" b="1" dirty="0">
-                <a:solidFill>
-                  <a:srgbClr val="660033"/>
-                </a:solidFill>
-                <a:latin typeface="微軟正黑體" pitchFamily="34" charset="-120"/>
-                <a:ea typeface="微軟正黑體" pitchFamily="34" charset="-120"/>
-              </a:rPr>
-              <a:t>寶座高天上</a:t>
-            </a:r>
-          </a:p>
-        </p:txBody>
-      </p:sp>
     </p:spTree>
+    <p:extLst>
+      <p:ext uri="{BB962C8B-B14F-4D97-AF65-F5344CB8AC3E}">
+        <p14:creationId xmlns:p14="http://schemas.microsoft.com/office/powerpoint/2010/main" val="1405107878"/>
+      </p:ext>
+    </p:extLst>
   </p:cSld>
   <p:clrMapOvr>
     <a:masterClrMapping/>
   </p:clrMapOvr>
+  <p:timing>
+    <p:tnLst>
+      <p:par>
+        <p:cTn id="1" dur="indefinite" restart="never" nodeType="tmRoot"/>
+      </p:par>
+    </p:tnLst>
+  </p:timing>
 </p:sld>
 </file>
 
@@ -4051,42 +4667,60 @@
       </p:grpSpPr>
       <p:sp>
         <p:nvSpPr>
-          <p:cNvPr id="4" name="標題 3"/>
-          <p:cNvSpPr>
-            <a:spLocks noGrp="1"/>
-          </p:cNvSpPr>
-          <p:nvPr>
-            <p:ph type="title"/>
-          </p:nvPr>
-        </p:nvSpPr>
-        <p:spPr/>
-        <p:txBody>
-          <a:bodyPr>
+          <p:cNvPr id="5" name="內容版面配置區 4"/>
+          <p:cNvSpPr>
+            <a:spLocks noGrp="1"/>
+          </p:cNvSpPr>
+          <p:nvPr>
+            <p:ph idx="1"/>
+          </p:nvPr>
+        </p:nvSpPr>
+        <p:spPr>
+          <a:xfrm>
+            <a:off x="0" y="2084851"/>
+            <a:ext cx="12192000" cy="2404863"/>
+          </a:xfrm>
+        </p:spPr>
+        <p:txBody>
+          <a:bodyPr anchor="ctr">
             <a:normAutofit/>
           </a:bodyPr>
           <a:lstStyle/>
           <a:p>
-            <a:r>
-              <a:rPr lang="zh-TW" altLang="en-US" b="1" dirty="0">
+            <a:pPr algn="ctr">
+              <a:buNone/>
+            </a:pPr>
+            <a:r>
+              <a:rPr lang="zh-TW" altLang="en-US" sz="6400" b="1" dirty="0">
                 <a:solidFill>
                   <a:srgbClr val="660033"/>
                 </a:solidFill>
                 <a:latin typeface="微軟正黑體" pitchFamily="34" charset="-120"/>
                 <a:ea typeface="微軟正黑體" pitchFamily="34" charset="-120"/>
               </a:rPr>
-              <a:t>朝賀耶穌</a:t>
-            </a:r>
-            <a:r>
-              <a:rPr lang="zh-TW" altLang="en-US" b="1" dirty="0" smtClean="0">
+              <a:t>真神出自真神</a:t>
+            </a:r>
+            <a:r>
+              <a:rPr lang="en-US" altLang="zh-TW" sz="6400" b="1" dirty="0">
                 <a:solidFill>
                   <a:srgbClr val="660033"/>
                 </a:solidFill>
                 <a:latin typeface="微軟正黑體" pitchFamily="34" charset="-120"/>
                 <a:ea typeface="微軟正黑體" pitchFamily="34" charset="-120"/>
               </a:rPr>
-              <a:t>降生</a:t>
-            </a:r>
-            <a:endParaRPr lang="zh-TW" altLang="en-US" b="1" dirty="0">
+              <a:t>  </a:t>
+            </a:r>
+            <a:r>
+              <a:rPr lang="zh-TW" altLang="en-US" sz="6400" b="1" dirty="0">
+                <a:solidFill>
+                  <a:srgbClr val="660033"/>
+                </a:solidFill>
+                <a:latin typeface="微軟正黑體" pitchFamily="34" charset="-120"/>
+                <a:ea typeface="微軟正黑體" pitchFamily="34" charset="-120"/>
+              </a:rPr>
+              <a:t>真光出自真光</a:t>
+            </a:r>
+            <a:endParaRPr lang="en-US" altLang="zh-TW" sz="6400" b="1" dirty="0">
               <a:solidFill>
                 <a:srgbClr val="660033"/>
               </a:solidFill>
@@ -4094,105 +4728,79 @@
               <a:ea typeface="微軟正黑體" pitchFamily="34" charset="-120"/>
             </a:endParaRPr>
           </a:p>
-        </p:txBody>
-      </p:sp>
-      <p:sp>
-        <p:nvSpPr>
-          <p:cNvPr id="5" name="內容版面配置區 4"/>
-          <p:cNvSpPr>
-            <a:spLocks noGrp="1"/>
-          </p:cNvSpPr>
-          <p:nvPr>
-            <p:ph idx="1"/>
-          </p:nvPr>
-        </p:nvSpPr>
-        <p:spPr>
-          <a:xfrm>
-            <a:off x="0" y="1807361"/>
-            <a:ext cx="9144000" cy="4051437"/>
-          </a:xfrm>
-        </p:spPr>
-        <p:txBody>
-          <a:bodyPr>
-            <a:noAutofit/>
-          </a:bodyPr>
-          <a:lstStyle/>
           <a:p>
             <a:pPr algn="ctr">
               <a:buNone/>
             </a:pPr>
             <a:r>
-              <a:rPr lang="zh-TW" altLang="en-US" sz="5400" b="1" dirty="0">
+              <a:rPr lang="zh-TW" altLang="en-US" sz="6400" b="1" dirty="0">
                 <a:solidFill>
                   <a:srgbClr val="660033"/>
                 </a:solidFill>
                 <a:latin typeface="微軟正黑體" pitchFamily="34" charset="-120"/>
                 <a:ea typeface="微軟正黑體" pitchFamily="34" charset="-120"/>
               </a:rPr>
-              <a:t>同來崇拜我</a:t>
-            </a:r>
-            <a:r>
-              <a:rPr lang="zh-TW" altLang="en-US" sz="5400" b="1" dirty="0" smtClean="0">
+              <a:t>存心虛己不嫌童貞女胎生</a:t>
+            </a:r>
+          </a:p>
+        </p:txBody>
+      </p:sp>
+      <p:sp>
+        <p:nvSpPr>
+          <p:cNvPr id="3" name="TextBox 2"/>
+          <p:cNvSpPr txBox="1"/>
+          <p:nvPr/>
+        </p:nvSpPr>
+        <p:spPr>
+          <a:xfrm>
+            <a:off x="0" y="5061181"/>
+            <a:ext cx="12192000" cy="748988"/>
+          </a:xfrm>
+          <a:prstGeom prst="rect">
+            <a:avLst/>
+          </a:prstGeom>
+          <a:noFill/>
+        </p:spPr>
+        <p:txBody>
+          <a:bodyPr wrap="square" rtlCol="0">
+            <a:spAutoFit/>
+          </a:bodyPr>
+          <a:lstStyle/>
+          <a:p>
+            <a:pPr algn="ctr"/>
+            <a:r>
+              <a:rPr lang="en-US" sz="4267" b="1" dirty="0">
                 <a:solidFill>
                   <a:srgbClr val="660033"/>
                 </a:solidFill>
-                <a:latin typeface="微軟正黑體" pitchFamily="34" charset="-120"/>
-                <a:ea typeface="微軟正黑體" pitchFamily="34" charset="-120"/>
               </a:rPr>
-              <a:t>救主</a:t>
-            </a:r>
-            <a:endParaRPr lang="en-US" altLang="zh-TW" sz="5400" b="1" dirty="0" smtClean="0">
+              <a:t>( 2 / 4 )</a:t>
+            </a:r>
+            <a:endParaRPr lang="vi-VN" sz="4267" b="1" dirty="0">
               <a:solidFill>
                 <a:srgbClr val="660033"/>
               </a:solidFill>
-              <a:latin typeface="微軟正黑體" pitchFamily="34" charset="-120"/>
-              <a:ea typeface="微軟正黑體" pitchFamily="34" charset="-120"/>
             </a:endParaRPr>
           </a:p>
-          <a:p>
-            <a:pPr algn="ctr">
-              <a:buNone/>
-            </a:pPr>
-            <a:r>
-              <a:rPr lang="zh-TW" altLang="en-US" sz="5400" b="1" dirty="0" smtClean="0">
-                <a:solidFill>
-                  <a:srgbClr val="660033"/>
-                </a:solidFill>
-                <a:latin typeface="微軟正黑體" pitchFamily="34" charset="-120"/>
-                <a:ea typeface="微軟正黑體" pitchFamily="34" charset="-120"/>
-              </a:rPr>
-              <a:t>同來崇拜我救主</a:t>
-            </a:r>
-            <a:endParaRPr lang="zh-TW" altLang="en-US" sz="5400" b="1" dirty="0">
-              <a:solidFill>
-                <a:srgbClr val="660033"/>
-              </a:solidFill>
-              <a:latin typeface="微軟正黑體" pitchFamily="34" charset="-120"/>
-              <a:ea typeface="微軟正黑體" pitchFamily="34" charset="-120"/>
-            </a:endParaRPr>
-          </a:p>
-          <a:p>
-            <a:pPr algn="ctr">
-              <a:buNone/>
-            </a:pPr>
-            <a:r>
-              <a:rPr lang="zh-TW" altLang="en-US" sz="5400" b="1" dirty="0">
-                <a:solidFill>
-                  <a:srgbClr val="660033"/>
-                </a:solidFill>
-                <a:latin typeface="微軟正黑體" pitchFamily="34" charset="-120"/>
-                <a:ea typeface="微軟正黑體" pitchFamily="34" charset="-120"/>
-              </a:rPr>
-              <a:t>同來崇拜我救主耶穌基督</a:t>
-            </a:r>
-          </a:p>
         </p:txBody>
       </p:sp>
     </p:spTree>
+    <p:extLst>
+      <p:ext uri="{BB962C8B-B14F-4D97-AF65-F5344CB8AC3E}">
+        <p14:creationId xmlns:p14="http://schemas.microsoft.com/office/powerpoint/2010/main" val="241148867"/>
+      </p:ext>
+    </p:extLst>
   </p:cSld>
   <p:clrMapOvr>
     <a:masterClrMapping/>
   </p:clrMapOvr>
+  <p:timing>
+    <p:tnLst>
+      <p:par>
+        <p:cTn id="1" dur="indefinite" restart="never" nodeType="tmRoot"/>
+      </p:par>
+    </p:tnLst>
+  </p:timing>
 </p:sld>
 </file>
 
@@ -4215,42 +4823,40 @@
       </p:grpSpPr>
       <p:sp>
         <p:nvSpPr>
-          <p:cNvPr id="4" name="標題 3"/>
-          <p:cNvSpPr>
-            <a:spLocks noGrp="1"/>
-          </p:cNvSpPr>
-          <p:nvPr>
-            <p:ph type="title"/>
-          </p:nvPr>
-        </p:nvSpPr>
-        <p:spPr/>
-        <p:txBody>
-          <a:bodyPr>
+          <p:cNvPr id="5" name="內容版面配置區 4"/>
+          <p:cNvSpPr>
+            <a:spLocks noGrp="1"/>
+          </p:cNvSpPr>
+          <p:nvPr>
+            <p:ph idx="1"/>
+          </p:nvPr>
+        </p:nvSpPr>
+        <p:spPr>
+          <a:xfrm>
+            <a:off x="0" y="2084851"/>
+            <a:ext cx="12192000" cy="2404863"/>
+          </a:xfrm>
+        </p:spPr>
+        <p:txBody>
+          <a:bodyPr anchor="ctr">
             <a:normAutofit/>
           </a:bodyPr>
           <a:lstStyle/>
           <a:p>
-            <a:r>
-              <a:rPr lang="zh-TW" altLang="en-US" b="1" dirty="0">
+            <a:pPr algn="ctr">
+              <a:buNone/>
+            </a:pPr>
+            <a:r>
+              <a:rPr lang="zh-TW" altLang="en-US" sz="6400" b="1" dirty="0">
                 <a:solidFill>
                   <a:srgbClr val="660033"/>
                 </a:solidFill>
                 <a:latin typeface="微軟正黑體" pitchFamily="34" charset="-120"/>
                 <a:ea typeface="微軟正黑體" pitchFamily="34" charset="-120"/>
               </a:rPr>
-              <a:t>朝賀耶穌</a:t>
-            </a:r>
-            <a:r>
-              <a:rPr lang="zh-TW" altLang="en-US" b="1" dirty="0" smtClean="0">
-                <a:solidFill>
-                  <a:srgbClr val="660033"/>
-                </a:solidFill>
-                <a:latin typeface="微軟正黑體" pitchFamily="34" charset="-120"/>
-                <a:ea typeface="微軟正黑體" pitchFamily="34" charset="-120"/>
-              </a:rPr>
-              <a:t>降生</a:t>
-            </a:r>
-            <a:endParaRPr lang="zh-TW" altLang="en-US" b="1" dirty="0">
+              <a:t>真神之真神  非受造乃由生</a:t>
+            </a:r>
+            <a:endParaRPr lang="zh-TW" altLang="en-US" sz="6400" b="1" dirty="0">
               <a:solidFill>
                 <a:srgbClr val="660033"/>
               </a:solidFill>
@@ -4262,139 +4868,60 @@
       </p:sp>
       <p:sp>
         <p:nvSpPr>
-          <p:cNvPr id="5" name="內容版面配置區 4"/>
-          <p:cNvSpPr>
-            <a:spLocks noGrp="1"/>
-          </p:cNvSpPr>
-          <p:nvPr>
-            <p:ph idx="1"/>
-          </p:nvPr>
+          <p:cNvPr id="3" name="TextBox 2"/>
+          <p:cNvSpPr txBox="1"/>
+          <p:nvPr/>
         </p:nvSpPr>
         <p:spPr>
           <a:xfrm>
-            <a:off x="0" y="1807361"/>
-            <a:ext cx="9144000" cy="4051437"/>
+            <a:off x="0" y="5061181"/>
+            <a:ext cx="12192000" cy="748988"/>
           </a:xfrm>
+          <a:prstGeom prst="rect">
+            <a:avLst/>
+          </a:prstGeom>
+          <a:noFill/>
         </p:spPr>
         <p:txBody>
-          <a:bodyPr>
-            <a:noAutofit/>
+          <a:bodyPr wrap="square" rtlCol="0">
+            <a:spAutoFit/>
           </a:bodyPr>
           <a:lstStyle/>
           <a:p>
-            <a:pPr algn="ctr">
-              <a:buNone/>
-            </a:pPr>
-            <a:r>
-              <a:rPr lang="zh-TW" altLang="en-US" sz="5400" b="1" dirty="0">
+            <a:pPr algn="ctr"/>
+            <a:r>
+              <a:rPr lang="en-US" sz="4267" b="1" dirty="0">
                 <a:solidFill>
                   <a:srgbClr val="660033"/>
                 </a:solidFill>
-                <a:latin typeface="微軟正黑體" pitchFamily="34" charset="-120"/>
-                <a:ea typeface="微軟正黑體" pitchFamily="34" charset="-120"/>
               </a:rPr>
-              <a:t>我今恭賀</a:t>
-            </a:r>
-            <a:r>
-              <a:rPr lang="zh-TW" altLang="en-US" sz="5400" b="1" dirty="0" smtClean="0">
-                <a:solidFill>
-                  <a:srgbClr val="660033"/>
-                </a:solidFill>
-                <a:latin typeface="微軟正黑體" pitchFamily="34" charset="-120"/>
-                <a:ea typeface="微軟正黑體" pitchFamily="34" charset="-120"/>
-              </a:rPr>
-              <a:t>救主</a:t>
-            </a:r>
-            <a:endParaRPr lang="en-US" altLang="zh-TW" sz="5400" b="1" dirty="0" smtClean="0">
+              <a:t>( 2 / 4 )</a:t>
+            </a:r>
+            <a:endParaRPr lang="vi-VN" sz="4267" b="1" dirty="0">
               <a:solidFill>
                 <a:srgbClr val="660033"/>
               </a:solidFill>
-              <a:latin typeface="微軟正黑體" pitchFamily="34" charset="-120"/>
-              <a:ea typeface="微軟正黑體" pitchFamily="34" charset="-120"/>
             </a:endParaRPr>
           </a:p>
-          <a:p>
-            <a:pPr algn="ctr">
-              <a:buNone/>
-            </a:pPr>
-            <a:r>
-              <a:rPr lang="zh-TW" altLang="en-US" sz="5400" b="1" dirty="0" smtClean="0">
-                <a:solidFill>
-                  <a:srgbClr val="660033"/>
-                </a:solidFill>
-                <a:latin typeface="微軟正黑體" pitchFamily="34" charset="-120"/>
-                <a:ea typeface="微軟正黑體" pitchFamily="34" charset="-120"/>
-              </a:rPr>
-              <a:t>在此</a:t>
-            </a:r>
-            <a:r>
-              <a:rPr lang="zh-TW" altLang="en-US" sz="5400" b="1" dirty="0">
-                <a:solidFill>
-                  <a:srgbClr val="660033"/>
-                </a:solidFill>
-                <a:latin typeface="微軟正黑體" pitchFamily="34" charset="-120"/>
-                <a:ea typeface="微軟正黑體" pitchFamily="34" charset="-120"/>
-              </a:rPr>
-              <a:t>福日降生</a:t>
-            </a:r>
-          </a:p>
-          <a:p>
-            <a:pPr algn="ctr">
-              <a:buNone/>
-            </a:pPr>
-            <a:r>
-              <a:rPr lang="zh-TW" altLang="en-US" sz="5400" b="1" dirty="0">
-                <a:solidFill>
-                  <a:srgbClr val="660033"/>
-                </a:solidFill>
-                <a:latin typeface="微軟正黑體" pitchFamily="34" charset="-120"/>
-                <a:ea typeface="微軟正黑體" pitchFamily="34" charset="-120"/>
-              </a:rPr>
-              <a:t>惟願</a:t>
-            </a:r>
-            <a:r>
-              <a:rPr lang="zh-TW" altLang="en-US" sz="5400" b="1" dirty="0" smtClean="0">
-                <a:solidFill>
-                  <a:srgbClr val="660033"/>
-                </a:solidFill>
-                <a:latin typeface="微軟正黑體" pitchFamily="34" charset="-120"/>
-                <a:ea typeface="微軟正黑體" pitchFamily="34" charset="-120"/>
-              </a:rPr>
-              <a:t>榮耀全</a:t>
-            </a:r>
-            <a:r>
-              <a:rPr lang="zh-TW" altLang="en-US" sz="5400" b="1" dirty="0">
-                <a:solidFill>
-                  <a:srgbClr val="660033"/>
-                </a:solidFill>
-                <a:latin typeface="微軟正黑體" pitchFamily="34" charset="-120"/>
-                <a:ea typeface="微軟正黑體" pitchFamily="34" charset="-120"/>
-              </a:rPr>
-              <a:t>歸與救主聖名</a:t>
-            </a:r>
-          </a:p>
-          <a:p>
-            <a:pPr algn="ctr">
-              <a:buNone/>
-            </a:pPr>
-            <a:r>
-              <a:rPr lang="zh-TW" altLang="en-US" sz="5400" b="1" dirty="0">
-                <a:solidFill>
-                  <a:srgbClr val="660033"/>
-                </a:solidFill>
-                <a:latin typeface="微軟正黑體" pitchFamily="34" charset="-120"/>
-                <a:ea typeface="微軟正黑體" pitchFamily="34" charset="-120"/>
-              </a:rPr>
-              <a:t>以道成肉身 藉人形體顯明</a:t>
-            </a:r>
-          </a:p>
         </p:txBody>
       </p:sp>
     </p:spTree>
+    <p:extLst>
+      <p:ext uri="{BB962C8B-B14F-4D97-AF65-F5344CB8AC3E}">
+        <p14:creationId xmlns:p14="http://schemas.microsoft.com/office/powerpoint/2010/main" val="2917954636"/>
+      </p:ext>
+    </p:extLst>
   </p:cSld>
   <p:clrMapOvr>
     <a:masterClrMapping/>
   </p:clrMapOvr>
+  <p:timing>
+    <p:tnLst>
+      <p:par>
+        <p:cTn id="1" dur="indefinite" restart="never" nodeType="tmRoot"/>
+      </p:par>
+    </p:tnLst>
+  </p:timing>
 </p:sld>
 </file>
 
@@ -4417,42 +4944,40 @@
       </p:grpSpPr>
       <p:sp>
         <p:nvSpPr>
-          <p:cNvPr id="4" name="標題 3"/>
-          <p:cNvSpPr>
-            <a:spLocks noGrp="1"/>
-          </p:cNvSpPr>
-          <p:nvPr>
-            <p:ph type="title"/>
-          </p:nvPr>
-        </p:nvSpPr>
-        <p:spPr/>
-        <p:txBody>
-          <a:bodyPr>
+          <p:cNvPr id="5" name="內容版面配置區 4"/>
+          <p:cNvSpPr>
+            <a:spLocks noGrp="1"/>
+          </p:cNvSpPr>
+          <p:nvPr>
+            <p:ph idx="1"/>
+          </p:nvPr>
+        </p:nvSpPr>
+        <p:spPr>
+          <a:xfrm>
+            <a:off x="0" y="2084851"/>
+            <a:ext cx="12192000" cy="2404863"/>
+          </a:xfrm>
+        </p:spPr>
+        <p:txBody>
+          <a:bodyPr anchor="ctr">
             <a:normAutofit/>
           </a:bodyPr>
           <a:lstStyle/>
           <a:p>
-            <a:r>
-              <a:rPr lang="zh-TW" altLang="en-US" b="1" dirty="0">
+            <a:pPr algn="ctr">
+              <a:buNone/>
+            </a:pPr>
+            <a:r>
+              <a:rPr lang="zh-TW" altLang="en-US" sz="6400" b="1" dirty="0">
                 <a:solidFill>
                   <a:srgbClr val="660033"/>
                 </a:solidFill>
                 <a:latin typeface="微軟正黑體" pitchFamily="34" charset="-120"/>
                 <a:ea typeface="微軟正黑體" pitchFamily="34" charset="-120"/>
               </a:rPr>
-              <a:t>朝賀耶穌</a:t>
-            </a:r>
-            <a:r>
-              <a:rPr lang="zh-TW" altLang="en-US" b="1" dirty="0" smtClean="0">
-                <a:solidFill>
-                  <a:srgbClr val="660033"/>
-                </a:solidFill>
-                <a:latin typeface="微軟正黑體" pitchFamily="34" charset="-120"/>
-                <a:ea typeface="微軟正黑體" pitchFamily="34" charset="-120"/>
-              </a:rPr>
-              <a:t>降生</a:t>
-            </a:r>
-            <a:endParaRPr lang="zh-TW" altLang="en-US" b="1" dirty="0">
+              <a:t>同來崇拜我救主</a:t>
+            </a:r>
+            <a:endParaRPr lang="en-US" altLang="zh-TW" sz="6400" b="1" dirty="0">
               <a:solidFill>
                 <a:srgbClr val="660033"/>
               </a:solidFill>
@@ -4460,54 +4985,21 @@
               <a:ea typeface="微軟正黑體" pitchFamily="34" charset="-120"/>
             </a:endParaRPr>
           </a:p>
-        </p:txBody>
-      </p:sp>
-      <p:sp>
-        <p:nvSpPr>
-          <p:cNvPr id="5" name="內容版面配置區 4"/>
-          <p:cNvSpPr>
-            <a:spLocks noGrp="1"/>
-          </p:cNvSpPr>
-          <p:nvPr>
-            <p:ph idx="1"/>
-          </p:nvPr>
-        </p:nvSpPr>
-        <p:spPr>
-          <a:xfrm>
-            <a:off x="0" y="1807361"/>
-            <a:ext cx="9144000" cy="4051437"/>
-          </a:xfrm>
-        </p:spPr>
-        <p:txBody>
-          <a:bodyPr>
-            <a:noAutofit/>
-          </a:bodyPr>
-          <a:lstStyle/>
           <a:p>
             <a:pPr algn="ctr">
               <a:buNone/>
             </a:pPr>
             <a:r>
-              <a:rPr lang="zh-TW" altLang="en-US" sz="5400" b="1" dirty="0">
+              <a:rPr lang="zh-TW" altLang="en-US" sz="6400" b="1" dirty="0">
                 <a:solidFill>
                   <a:srgbClr val="660033"/>
                 </a:solidFill>
                 <a:latin typeface="微軟正黑體" pitchFamily="34" charset="-120"/>
                 <a:ea typeface="微軟正黑體" pitchFamily="34" charset="-120"/>
               </a:rPr>
-              <a:t>同來崇拜我</a:t>
-            </a:r>
-            <a:r>
-              <a:rPr lang="zh-TW" altLang="en-US" sz="5400" b="1" dirty="0" smtClean="0">
-                <a:solidFill>
-                  <a:srgbClr val="660033"/>
-                </a:solidFill>
-                <a:latin typeface="微軟正黑體" pitchFamily="34" charset="-120"/>
-                <a:ea typeface="微軟正黑體" pitchFamily="34" charset="-120"/>
-              </a:rPr>
-              <a:t>救主</a:t>
-            </a:r>
-            <a:endParaRPr lang="en-US" altLang="zh-TW" sz="5400" b="1" dirty="0" smtClean="0">
+              <a:t>同來崇拜我救主</a:t>
+            </a:r>
+            <a:endParaRPr lang="zh-TW" altLang="en-US" sz="6400" b="1" dirty="0">
               <a:solidFill>
                 <a:srgbClr val="660033"/>
               </a:solidFill>
@@ -4515,21 +5007,81 @@
               <a:ea typeface="微軟正黑體" pitchFamily="34" charset="-120"/>
             </a:endParaRPr>
           </a:p>
+        </p:txBody>
+      </p:sp>
+    </p:spTree>
+    <p:extLst>
+      <p:ext uri="{BB962C8B-B14F-4D97-AF65-F5344CB8AC3E}">
+        <p14:creationId xmlns:p14="http://schemas.microsoft.com/office/powerpoint/2010/main" val="3679862544"/>
+      </p:ext>
+    </p:extLst>
+  </p:cSld>
+  <p:clrMapOvr>
+    <a:masterClrMapping/>
+  </p:clrMapOvr>
+  <p:timing>
+    <p:tnLst>
+      <p:par>
+        <p:cTn id="1" dur="indefinite" restart="never" nodeType="tmRoot"/>
+      </p:par>
+    </p:tnLst>
+  </p:timing>
+</p:sld>
+</file>
+
+<file path=ppt/slides/slide9.xml><?xml version="1.0" encoding="utf-8"?>
+<p:sld xmlns:a="http://schemas.openxmlformats.org/drawingml/2006/main" xmlns:r="http://schemas.openxmlformats.org/officeDocument/2006/relationships" xmlns:p="http://schemas.openxmlformats.org/presentationml/2006/main">
+  <p:cSld>
+    <p:spTree>
+      <p:nvGrpSpPr>
+        <p:cNvPr id="1" name=""/>
+        <p:cNvGrpSpPr/>
+        <p:nvPr/>
+      </p:nvGrpSpPr>
+      <p:grpSpPr>
+        <a:xfrm>
+          <a:off x="0" y="0"/>
+          <a:ext cx="0" cy="0"/>
+          <a:chOff x="0" y="0"/>
+          <a:chExt cx="0" cy="0"/>
+        </a:xfrm>
+      </p:grpSpPr>
+      <p:sp>
+        <p:nvSpPr>
+          <p:cNvPr id="5" name="內容版面配置區 4"/>
+          <p:cNvSpPr>
+            <a:spLocks noGrp="1"/>
+          </p:cNvSpPr>
+          <p:nvPr>
+            <p:ph idx="1"/>
+          </p:nvPr>
+        </p:nvSpPr>
+        <p:spPr>
+          <a:xfrm>
+            <a:off x="0" y="2084851"/>
+            <a:ext cx="12192000" cy="2404863"/>
+          </a:xfrm>
+        </p:spPr>
+        <p:txBody>
+          <a:bodyPr anchor="ctr">
+            <a:normAutofit/>
+          </a:bodyPr>
+          <a:lstStyle/>
           <a:p>
             <a:pPr algn="ctr">
               <a:buNone/>
             </a:pPr>
             <a:r>
-              <a:rPr lang="zh-TW" altLang="en-US" sz="5400" b="1" dirty="0" smtClean="0">
+              <a:rPr lang="zh-TW" altLang="en-US" sz="6400" b="1" dirty="0">
                 <a:solidFill>
                   <a:srgbClr val="660033"/>
                 </a:solidFill>
                 <a:latin typeface="微軟正黑體" pitchFamily="34" charset="-120"/>
                 <a:ea typeface="微軟正黑體" pitchFamily="34" charset="-120"/>
               </a:rPr>
-              <a:t>同來崇拜我救主</a:t>
-            </a:r>
-            <a:endParaRPr lang="zh-TW" altLang="en-US" sz="5400" b="1" dirty="0">
+              <a:t>同來崇拜我救主耶穌基督</a:t>
+            </a:r>
+            <a:endParaRPr lang="zh-TW" altLang="en-US" sz="6400" b="1" dirty="0">
               <a:solidFill>
                 <a:srgbClr val="660033"/>
               </a:solidFill>
@@ -4537,28 +5089,25 @@
               <a:ea typeface="微軟正黑體" pitchFamily="34" charset="-120"/>
             </a:endParaRPr>
           </a:p>
-          <a:p>
-            <a:pPr algn="ctr">
-              <a:buNone/>
-            </a:pPr>
-            <a:r>
-              <a:rPr lang="zh-TW" altLang="en-US" sz="5400" b="1" dirty="0">
-                <a:solidFill>
-                  <a:srgbClr val="660033"/>
-                </a:solidFill>
-                <a:latin typeface="微軟正黑體" pitchFamily="34" charset="-120"/>
-                <a:ea typeface="微軟正黑體" pitchFamily="34" charset="-120"/>
-              </a:rPr>
-              <a:t>同來崇拜我救主耶穌基督</a:t>
-            </a:r>
-          </a:p>
         </p:txBody>
       </p:sp>
     </p:spTree>
+    <p:extLst>
+      <p:ext uri="{BB962C8B-B14F-4D97-AF65-F5344CB8AC3E}">
+        <p14:creationId xmlns:p14="http://schemas.microsoft.com/office/powerpoint/2010/main" val="3058034694"/>
+      </p:ext>
+    </p:extLst>
   </p:cSld>
   <p:clrMapOvr>
     <a:masterClrMapping/>
   </p:clrMapOvr>
+  <p:timing>
+    <p:tnLst>
+      <p:par>
+        <p:cTn id="1" dur="indefinite" restart="never" nodeType="tmRoot"/>
+      </p:par>
+    </p:tnLst>
+  </p:timing>
 </p:sld>
 </file>
 
